--- a/PPTX/Chapter_5_Data2Data.pptx
+++ b/PPTX/Chapter_5_Data2Data.pptx
@@ -2,7 +2,7 @@
 <file path=ppt/presentation.xml><?xml version="1.0" encoding="utf-8"?>
 <p:presentation xmlns:a="http://schemas.openxmlformats.org/drawingml/2006/main" xmlns:r="http://schemas.openxmlformats.org/officeDocument/2006/relationships" xmlns:p="http://schemas.openxmlformats.org/presentationml/2006/main" saveSubsetFonts="1" autoCompressPictures="0">
   <p:sldMasterIdLst>
-    <p:sldMasterId id="2147483650" r:id="rId1"/>
+    <p:sldMasterId id="2147483648" r:id="rId1"/>
   </p:sldMasterIdLst>
   <p:notesMasterIdLst>
     <p:notesMasterId r:id="rId18"/>
@@ -1426,8 +1426,13 @@
 </file>
 
 <file path=ppt/slideLayouts/slideLayout1.xml><?xml version="1.0" encoding="utf-8"?>
-<p:sldLayout xmlns:a="http://schemas.openxmlformats.org/drawingml/2006/main" xmlns:r="http://schemas.openxmlformats.org/officeDocument/2006/relationships" xmlns:p="http://schemas.openxmlformats.org/presentationml/2006/main" type="title" preserve="1">
-  <p:cSld name="Title Slide">
+<p:sldLayout xmlns:a="http://schemas.openxmlformats.org/drawingml/2006/main" xmlns:r="http://schemas.openxmlformats.org/officeDocument/2006/relationships" xmlns:p="http://schemas.openxmlformats.org/presentationml/2006/main" preserve="1">
+  <p:cSld name="DEFAULT">
+    <p:bg>
+      <p:bgRef idx="1001">
+        <a:schemeClr val="bg1"/>
+      </p:bgRef>
+    </p:bg>
     <p:spTree>
       <p:nvGrpSpPr>
         <p:cNvPr id="1" name=""/>
@@ -1442,2740 +1447,7 @@
           <a:chExt cx="0" cy="0"/>
         </a:xfrm>
       </p:grpSpPr>
-      <p:sp>
-        <p:nvSpPr>
-          <p:cNvPr id="2" name="Title 1">
-            <a:extLst>
-              <a:ext uri="{FF2B5EF4-FFF2-40B4-BE49-F238E27FC236}">
-                <a16:creationId xmlns:a16="http://schemas.microsoft.com/office/drawing/2014/main" id="{DD328E2A-F8C8-7A43-6614-FB2CF75062DC}"/>
-              </a:ext>
-            </a:extLst>
-          </p:cNvPr>
-          <p:cNvSpPr>
-            <a:spLocks noGrp="1"/>
-          </p:cNvSpPr>
-          <p:nvPr>
-            <p:ph type="ctrTitle"/>
-          </p:nvPr>
-        </p:nvSpPr>
-        <p:spPr>
-          <a:xfrm>
-            <a:off x="1143000" y="841375"/>
-            <a:ext cx="6858000" cy="1790700"/>
-          </a:xfrm>
-        </p:spPr>
-        <p:txBody>
-          <a:bodyPr anchor="b"/>
-          <a:lstStyle>
-            <a:lvl1pPr algn="ctr">
-              <a:defRPr sz="6000"/>
-            </a:lvl1pPr>
-          </a:lstStyle>
-          <a:p>
-            <a:r>
-              <a:rPr lang="en-US"/>
-              <a:t>Click to edit Master title style</a:t>
-            </a:r>
-          </a:p>
-        </p:txBody>
-      </p:sp>
-      <p:sp>
-        <p:nvSpPr>
-          <p:cNvPr id="3" name="Subtitle 2">
-            <a:extLst>
-              <a:ext uri="{FF2B5EF4-FFF2-40B4-BE49-F238E27FC236}">
-                <a16:creationId xmlns:a16="http://schemas.microsoft.com/office/drawing/2014/main" id="{B7DE6ACE-5EB6-E238-288E-5C451CA487BE}"/>
-              </a:ext>
-            </a:extLst>
-          </p:cNvPr>
-          <p:cNvSpPr>
-            <a:spLocks noGrp="1"/>
-          </p:cNvSpPr>
-          <p:nvPr>
-            <p:ph type="subTitle" idx="1"/>
-          </p:nvPr>
-        </p:nvSpPr>
-        <p:spPr>
-          <a:xfrm>
-            <a:off x="1143000" y="2701925"/>
-            <a:ext cx="6858000" cy="1241425"/>
-          </a:xfrm>
-        </p:spPr>
-        <p:txBody>
-          <a:bodyPr/>
-          <a:lstStyle>
-            <a:lvl1pPr marL="0" indent="0" algn="ctr">
-              <a:buNone/>
-              <a:defRPr sz="2400"/>
-            </a:lvl1pPr>
-            <a:lvl2pPr marL="457200" indent="0" algn="ctr">
-              <a:buNone/>
-              <a:defRPr sz="2000"/>
-            </a:lvl2pPr>
-            <a:lvl3pPr marL="914400" indent="0" algn="ctr">
-              <a:buNone/>
-              <a:defRPr sz="1800"/>
-            </a:lvl3pPr>
-            <a:lvl4pPr marL="1371600" indent="0" algn="ctr">
-              <a:buNone/>
-              <a:defRPr sz="1600"/>
-            </a:lvl4pPr>
-            <a:lvl5pPr marL="1828800" indent="0" algn="ctr">
-              <a:buNone/>
-              <a:defRPr sz="1600"/>
-            </a:lvl5pPr>
-            <a:lvl6pPr marL="2286000" indent="0" algn="ctr">
-              <a:buNone/>
-              <a:defRPr sz="1600"/>
-            </a:lvl6pPr>
-            <a:lvl7pPr marL="2743200" indent="0" algn="ctr">
-              <a:buNone/>
-              <a:defRPr sz="1600"/>
-            </a:lvl7pPr>
-            <a:lvl8pPr marL="3200400" indent="0" algn="ctr">
-              <a:buNone/>
-              <a:defRPr sz="1600"/>
-            </a:lvl8pPr>
-            <a:lvl9pPr marL="3657600" indent="0" algn="ctr">
-              <a:buNone/>
-              <a:defRPr sz="1600"/>
-            </a:lvl9pPr>
-          </a:lstStyle>
-          <a:p>
-            <a:r>
-              <a:rPr lang="en-US"/>
-              <a:t>Click to edit Master subtitle style</a:t>
-            </a:r>
-          </a:p>
-        </p:txBody>
-      </p:sp>
-      <p:sp>
-        <p:nvSpPr>
-          <p:cNvPr id="4" name="Date Placeholder 3">
-            <a:extLst>
-              <a:ext uri="{FF2B5EF4-FFF2-40B4-BE49-F238E27FC236}">
-                <a16:creationId xmlns:a16="http://schemas.microsoft.com/office/drawing/2014/main" id="{2FF75CDA-DE71-9539-8467-B712FE1D7188}"/>
-              </a:ext>
-            </a:extLst>
-          </p:cNvPr>
-          <p:cNvSpPr>
-            <a:spLocks noGrp="1"/>
-          </p:cNvSpPr>
-          <p:nvPr>
-            <p:ph type="dt" sz="half" idx="10"/>
-          </p:nvPr>
-        </p:nvSpPr>
-        <p:spPr/>
-        <p:txBody>
-          <a:bodyPr/>
-          <a:lstStyle/>
-          <a:p>
-            <a:endParaRPr lang="en-US"/>
-          </a:p>
-        </p:txBody>
-      </p:sp>
-      <p:sp>
-        <p:nvSpPr>
-          <p:cNvPr id="5" name="Footer Placeholder 4">
-            <a:extLst>
-              <a:ext uri="{FF2B5EF4-FFF2-40B4-BE49-F238E27FC236}">
-                <a16:creationId xmlns:a16="http://schemas.microsoft.com/office/drawing/2014/main" id="{AA51153F-CDC9-F518-48E3-EE83BC193682}"/>
-              </a:ext>
-            </a:extLst>
-          </p:cNvPr>
-          <p:cNvSpPr>
-            <a:spLocks noGrp="1"/>
-          </p:cNvSpPr>
-          <p:nvPr>
-            <p:ph type="ftr" sz="quarter" idx="11"/>
-          </p:nvPr>
-        </p:nvSpPr>
-        <p:spPr/>
-        <p:txBody>
-          <a:bodyPr/>
-          <a:lstStyle/>
-          <a:p>
-            <a:r>
-              <a:rPr lang="en-US"/>
-              <a:t>(J. Paul Liu, 2026. Generative AI For Science. Leanpub)</a:t>
-            </a:r>
-          </a:p>
-        </p:txBody>
-      </p:sp>
-      <p:sp>
-        <p:nvSpPr>
-          <p:cNvPr id="6" name="Slide Number Placeholder 5">
-            <a:extLst>
-              <a:ext uri="{FF2B5EF4-FFF2-40B4-BE49-F238E27FC236}">
-                <a16:creationId xmlns:a16="http://schemas.microsoft.com/office/drawing/2014/main" id="{1A5F2813-6715-F9FF-8684-CD0D2C3CC18B}"/>
-              </a:ext>
-            </a:extLst>
-          </p:cNvPr>
-          <p:cNvSpPr>
-            <a:spLocks noGrp="1"/>
-          </p:cNvSpPr>
-          <p:nvPr>
-            <p:ph type="sldNum" sz="quarter" idx="12"/>
-          </p:nvPr>
-        </p:nvSpPr>
-        <p:spPr/>
-        <p:txBody>
-          <a:bodyPr/>
-          <a:lstStyle/>
-          <a:p>
-            <a:fld id="{DA047E1F-69D3-BB40-9784-148468AC28D7}" type="slidenum">
-              <a:rPr lang="en-US" smtClean="0"/>
-              <a:t>‹#›</a:t>
-            </a:fld>
-            <a:endParaRPr lang="en-US"/>
-          </a:p>
-        </p:txBody>
-      </p:sp>
     </p:spTree>
-    <p:extLst>
-      <p:ext uri="{BB962C8B-B14F-4D97-AF65-F5344CB8AC3E}">
-        <p14:creationId xmlns:p14="http://schemas.microsoft.com/office/powerpoint/2010/main" val="2147258781"/>
-      </p:ext>
-    </p:extLst>
-  </p:cSld>
-  <p:clrMapOvr>
-    <a:masterClrMapping/>
-  </p:clrMapOvr>
-</p:sldLayout>
-</file>
-
-<file path=ppt/slideLayouts/slideLayout10.xml><?xml version="1.0" encoding="utf-8"?>
-<p:sldLayout xmlns:a="http://schemas.openxmlformats.org/drawingml/2006/main" xmlns:r="http://schemas.openxmlformats.org/officeDocument/2006/relationships" xmlns:p="http://schemas.openxmlformats.org/presentationml/2006/main" type="vertTx" preserve="1">
-  <p:cSld name="Title and Vertical Text">
-    <p:spTree>
-      <p:nvGrpSpPr>
-        <p:cNvPr id="1" name=""/>
-        <p:cNvGrpSpPr/>
-        <p:nvPr/>
-      </p:nvGrpSpPr>
-      <p:grpSpPr>
-        <a:xfrm>
-          <a:off x="0" y="0"/>
-          <a:ext cx="0" cy="0"/>
-          <a:chOff x="0" y="0"/>
-          <a:chExt cx="0" cy="0"/>
-        </a:xfrm>
-      </p:grpSpPr>
-      <p:sp>
-        <p:nvSpPr>
-          <p:cNvPr id="2" name="Title 1">
-            <a:extLst>
-              <a:ext uri="{FF2B5EF4-FFF2-40B4-BE49-F238E27FC236}">
-                <a16:creationId xmlns:a16="http://schemas.microsoft.com/office/drawing/2014/main" id="{08EB5324-9EB2-C444-8CB1-AC5627D532FB}"/>
-              </a:ext>
-            </a:extLst>
-          </p:cNvPr>
-          <p:cNvSpPr>
-            <a:spLocks noGrp="1"/>
-          </p:cNvSpPr>
-          <p:nvPr>
-            <p:ph type="title"/>
-          </p:nvPr>
-        </p:nvSpPr>
-        <p:spPr/>
-        <p:txBody>
-          <a:bodyPr/>
-          <a:lstStyle/>
-          <a:p>
-            <a:r>
-              <a:rPr lang="en-US"/>
-              <a:t>Click to edit Master title style</a:t>
-            </a:r>
-          </a:p>
-        </p:txBody>
-      </p:sp>
-      <p:sp>
-        <p:nvSpPr>
-          <p:cNvPr id="3" name="Vertical Text Placeholder 2">
-            <a:extLst>
-              <a:ext uri="{FF2B5EF4-FFF2-40B4-BE49-F238E27FC236}">
-                <a16:creationId xmlns:a16="http://schemas.microsoft.com/office/drawing/2014/main" id="{87929247-DBEF-2EC2-A57B-5459ADBC5668}"/>
-              </a:ext>
-            </a:extLst>
-          </p:cNvPr>
-          <p:cNvSpPr>
-            <a:spLocks noGrp="1"/>
-          </p:cNvSpPr>
-          <p:nvPr>
-            <p:ph type="body" orient="vert" idx="1"/>
-          </p:nvPr>
-        </p:nvSpPr>
-        <p:spPr/>
-        <p:txBody>
-          <a:bodyPr vert="eaVert"/>
-          <a:lstStyle/>
-          <a:p>
-            <a:pPr lvl="0"/>
-            <a:r>
-              <a:rPr lang="en-US"/>
-              <a:t>Click to edit Master text styles</a:t>
-            </a:r>
-          </a:p>
-          <a:p>
-            <a:pPr lvl="1"/>
-            <a:r>
-              <a:rPr lang="en-US"/>
-              <a:t>Second level</a:t>
-            </a:r>
-          </a:p>
-          <a:p>
-            <a:pPr lvl="2"/>
-            <a:r>
-              <a:rPr lang="en-US"/>
-              <a:t>Third level</a:t>
-            </a:r>
-          </a:p>
-          <a:p>
-            <a:pPr lvl="3"/>
-            <a:r>
-              <a:rPr lang="en-US"/>
-              <a:t>Fourth level</a:t>
-            </a:r>
-          </a:p>
-          <a:p>
-            <a:pPr lvl="4"/>
-            <a:r>
-              <a:rPr lang="en-US"/>
-              <a:t>Fifth level</a:t>
-            </a:r>
-          </a:p>
-        </p:txBody>
-      </p:sp>
-      <p:sp>
-        <p:nvSpPr>
-          <p:cNvPr id="4" name="Date Placeholder 3">
-            <a:extLst>
-              <a:ext uri="{FF2B5EF4-FFF2-40B4-BE49-F238E27FC236}">
-                <a16:creationId xmlns:a16="http://schemas.microsoft.com/office/drawing/2014/main" id="{4C55451F-3B92-2756-DD0C-72393F54E1BD}"/>
-              </a:ext>
-            </a:extLst>
-          </p:cNvPr>
-          <p:cNvSpPr>
-            <a:spLocks noGrp="1"/>
-          </p:cNvSpPr>
-          <p:nvPr>
-            <p:ph type="dt" sz="half" idx="10"/>
-          </p:nvPr>
-        </p:nvSpPr>
-        <p:spPr/>
-        <p:txBody>
-          <a:bodyPr/>
-          <a:lstStyle/>
-          <a:p>
-            <a:endParaRPr lang="en-US"/>
-          </a:p>
-        </p:txBody>
-      </p:sp>
-      <p:sp>
-        <p:nvSpPr>
-          <p:cNvPr id="5" name="Footer Placeholder 4">
-            <a:extLst>
-              <a:ext uri="{FF2B5EF4-FFF2-40B4-BE49-F238E27FC236}">
-                <a16:creationId xmlns:a16="http://schemas.microsoft.com/office/drawing/2014/main" id="{3C665989-270F-17BB-74DF-F2B8A3835523}"/>
-              </a:ext>
-            </a:extLst>
-          </p:cNvPr>
-          <p:cNvSpPr>
-            <a:spLocks noGrp="1"/>
-          </p:cNvSpPr>
-          <p:nvPr>
-            <p:ph type="ftr" sz="quarter" idx="11"/>
-          </p:nvPr>
-        </p:nvSpPr>
-        <p:spPr/>
-        <p:txBody>
-          <a:bodyPr/>
-          <a:lstStyle/>
-          <a:p>
-            <a:r>
-              <a:rPr lang="en-US"/>
-              <a:t>(J. Paul Liu, 2026. Generative AI For Science. Leanpub)</a:t>
-            </a:r>
-          </a:p>
-        </p:txBody>
-      </p:sp>
-      <p:sp>
-        <p:nvSpPr>
-          <p:cNvPr id="6" name="Slide Number Placeholder 5">
-            <a:extLst>
-              <a:ext uri="{FF2B5EF4-FFF2-40B4-BE49-F238E27FC236}">
-                <a16:creationId xmlns:a16="http://schemas.microsoft.com/office/drawing/2014/main" id="{DDB623D0-EA7E-1444-F111-2AB866AB7337}"/>
-              </a:ext>
-            </a:extLst>
-          </p:cNvPr>
-          <p:cNvSpPr>
-            <a:spLocks noGrp="1"/>
-          </p:cNvSpPr>
-          <p:nvPr>
-            <p:ph type="sldNum" sz="quarter" idx="12"/>
-          </p:nvPr>
-        </p:nvSpPr>
-        <p:spPr/>
-        <p:txBody>
-          <a:bodyPr/>
-          <a:lstStyle/>
-          <a:p>
-            <a:fld id="{DA047E1F-69D3-BB40-9784-148468AC28D7}" type="slidenum">
-              <a:rPr lang="en-US" smtClean="0"/>
-              <a:t>‹#›</a:t>
-            </a:fld>
-            <a:endParaRPr lang="en-US"/>
-          </a:p>
-        </p:txBody>
-      </p:sp>
-    </p:spTree>
-    <p:extLst>
-      <p:ext uri="{BB962C8B-B14F-4D97-AF65-F5344CB8AC3E}">
-        <p14:creationId xmlns:p14="http://schemas.microsoft.com/office/powerpoint/2010/main" val="1165752965"/>
-      </p:ext>
-    </p:extLst>
-  </p:cSld>
-  <p:clrMapOvr>
-    <a:masterClrMapping/>
-  </p:clrMapOvr>
-</p:sldLayout>
-</file>
-
-<file path=ppt/slideLayouts/slideLayout11.xml><?xml version="1.0" encoding="utf-8"?>
-<p:sldLayout xmlns:a="http://schemas.openxmlformats.org/drawingml/2006/main" xmlns:r="http://schemas.openxmlformats.org/officeDocument/2006/relationships" xmlns:p="http://schemas.openxmlformats.org/presentationml/2006/main" type="vertTitleAndTx" preserve="1">
-  <p:cSld name="Vertical Title and Text">
-    <p:spTree>
-      <p:nvGrpSpPr>
-        <p:cNvPr id="1" name=""/>
-        <p:cNvGrpSpPr/>
-        <p:nvPr/>
-      </p:nvGrpSpPr>
-      <p:grpSpPr>
-        <a:xfrm>
-          <a:off x="0" y="0"/>
-          <a:ext cx="0" cy="0"/>
-          <a:chOff x="0" y="0"/>
-          <a:chExt cx="0" cy="0"/>
-        </a:xfrm>
-      </p:grpSpPr>
-      <p:sp>
-        <p:nvSpPr>
-          <p:cNvPr id="2" name="Vertical Title 1">
-            <a:extLst>
-              <a:ext uri="{FF2B5EF4-FFF2-40B4-BE49-F238E27FC236}">
-                <a16:creationId xmlns:a16="http://schemas.microsoft.com/office/drawing/2014/main" id="{9A3D4E68-C643-73C0-DFFD-C4F39CD538A4}"/>
-              </a:ext>
-            </a:extLst>
-          </p:cNvPr>
-          <p:cNvSpPr>
-            <a:spLocks noGrp="1"/>
-          </p:cNvSpPr>
-          <p:nvPr>
-            <p:ph type="title" orient="vert"/>
-          </p:nvPr>
-        </p:nvSpPr>
-        <p:spPr>
-          <a:xfrm>
-            <a:off x="6543675" y="274638"/>
-            <a:ext cx="1971675" cy="4357687"/>
-          </a:xfrm>
-        </p:spPr>
-        <p:txBody>
-          <a:bodyPr vert="eaVert"/>
-          <a:lstStyle/>
-          <a:p>
-            <a:r>
-              <a:rPr lang="en-US"/>
-              <a:t>Click to edit Master title style</a:t>
-            </a:r>
-          </a:p>
-        </p:txBody>
-      </p:sp>
-      <p:sp>
-        <p:nvSpPr>
-          <p:cNvPr id="3" name="Vertical Text Placeholder 2">
-            <a:extLst>
-              <a:ext uri="{FF2B5EF4-FFF2-40B4-BE49-F238E27FC236}">
-                <a16:creationId xmlns:a16="http://schemas.microsoft.com/office/drawing/2014/main" id="{676852CF-13B3-9F32-19DF-CD83B588FE39}"/>
-              </a:ext>
-            </a:extLst>
-          </p:cNvPr>
-          <p:cNvSpPr>
-            <a:spLocks noGrp="1"/>
-          </p:cNvSpPr>
-          <p:nvPr>
-            <p:ph type="body" orient="vert" idx="1"/>
-          </p:nvPr>
-        </p:nvSpPr>
-        <p:spPr>
-          <a:xfrm>
-            <a:off x="628650" y="274638"/>
-            <a:ext cx="5762625" cy="4357687"/>
-          </a:xfrm>
-        </p:spPr>
-        <p:txBody>
-          <a:bodyPr vert="eaVert"/>
-          <a:lstStyle/>
-          <a:p>
-            <a:pPr lvl="0"/>
-            <a:r>
-              <a:rPr lang="en-US"/>
-              <a:t>Click to edit Master text styles</a:t>
-            </a:r>
-          </a:p>
-          <a:p>
-            <a:pPr lvl="1"/>
-            <a:r>
-              <a:rPr lang="en-US"/>
-              <a:t>Second level</a:t>
-            </a:r>
-          </a:p>
-          <a:p>
-            <a:pPr lvl="2"/>
-            <a:r>
-              <a:rPr lang="en-US"/>
-              <a:t>Third level</a:t>
-            </a:r>
-          </a:p>
-          <a:p>
-            <a:pPr lvl="3"/>
-            <a:r>
-              <a:rPr lang="en-US"/>
-              <a:t>Fourth level</a:t>
-            </a:r>
-          </a:p>
-          <a:p>
-            <a:pPr lvl="4"/>
-            <a:r>
-              <a:rPr lang="en-US"/>
-              <a:t>Fifth level</a:t>
-            </a:r>
-          </a:p>
-        </p:txBody>
-      </p:sp>
-      <p:sp>
-        <p:nvSpPr>
-          <p:cNvPr id="4" name="Date Placeholder 3">
-            <a:extLst>
-              <a:ext uri="{FF2B5EF4-FFF2-40B4-BE49-F238E27FC236}">
-                <a16:creationId xmlns:a16="http://schemas.microsoft.com/office/drawing/2014/main" id="{9F2FEB3D-9B02-8815-7F0A-0DE85B9DB638}"/>
-              </a:ext>
-            </a:extLst>
-          </p:cNvPr>
-          <p:cNvSpPr>
-            <a:spLocks noGrp="1"/>
-          </p:cNvSpPr>
-          <p:nvPr>
-            <p:ph type="dt" sz="half" idx="10"/>
-          </p:nvPr>
-        </p:nvSpPr>
-        <p:spPr/>
-        <p:txBody>
-          <a:bodyPr/>
-          <a:lstStyle/>
-          <a:p>
-            <a:endParaRPr lang="en-US"/>
-          </a:p>
-        </p:txBody>
-      </p:sp>
-      <p:sp>
-        <p:nvSpPr>
-          <p:cNvPr id="5" name="Footer Placeholder 4">
-            <a:extLst>
-              <a:ext uri="{FF2B5EF4-FFF2-40B4-BE49-F238E27FC236}">
-                <a16:creationId xmlns:a16="http://schemas.microsoft.com/office/drawing/2014/main" id="{05CA8263-8DCE-7F94-76A7-0390081CB1A4}"/>
-              </a:ext>
-            </a:extLst>
-          </p:cNvPr>
-          <p:cNvSpPr>
-            <a:spLocks noGrp="1"/>
-          </p:cNvSpPr>
-          <p:nvPr>
-            <p:ph type="ftr" sz="quarter" idx="11"/>
-          </p:nvPr>
-        </p:nvSpPr>
-        <p:spPr/>
-        <p:txBody>
-          <a:bodyPr/>
-          <a:lstStyle/>
-          <a:p>
-            <a:r>
-              <a:rPr lang="en-US"/>
-              <a:t>(J. Paul Liu, 2026. Generative AI For Science. Leanpub)</a:t>
-            </a:r>
-          </a:p>
-        </p:txBody>
-      </p:sp>
-      <p:sp>
-        <p:nvSpPr>
-          <p:cNvPr id="6" name="Slide Number Placeholder 5">
-            <a:extLst>
-              <a:ext uri="{FF2B5EF4-FFF2-40B4-BE49-F238E27FC236}">
-                <a16:creationId xmlns:a16="http://schemas.microsoft.com/office/drawing/2014/main" id="{D0BD2C91-226B-7AF9-3353-57C6A3CD4DF4}"/>
-              </a:ext>
-            </a:extLst>
-          </p:cNvPr>
-          <p:cNvSpPr>
-            <a:spLocks noGrp="1"/>
-          </p:cNvSpPr>
-          <p:nvPr>
-            <p:ph type="sldNum" sz="quarter" idx="12"/>
-          </p:nvPr>
-        </p:nvSpPr>
-        <p:spPr/>
-        <p:txBody>
-          <a:bodyPr/>
-          <a:lstStyle/>
-          <a:p>
-            <a:fld id="{DA047E1F-69D3-BB40-9784-148468AC28D7}" type="slidenum">
-              <a:rPr lang="en-US" smtClean="0"/>
-              <a:t>‹#›</a:t>
-            </a:fld>
-            <a:endParaRPr lang="en-US"/>
-          </a:p>
-        </p:txBody>
-      </p:sp>
-    </p:spTree>
-    <p:extLst>
-      <p:ext uri="{BB962C8B-B14F-4D97-AF65-F5344CB8AC3E}">
-        <p14:creationId xmlns:p14="http://schemas.microsoft.com/office/powerpoint/2010/main" val="396400429"/>
-      </p:ext>
-    </p:extLst>
-  </p:cSld>
-  <p:clrMapOvr>
-    <a:masterClrMapping/>
-  </p:clrMapOvr>
-</p:sldLayout>
-</file>
-
-<file path=ppt/slideLayouts/slideLayout12.xml><?xml version="1.0" encoding="utf-8"?>
-<p:sldLayout xmlns:a="http://schemas.openxmlformats.org/drawingml/2006/main" xmlns:r="http://schemas.openxmlformats.org/officeDocument/2006/relationships" xmlns:p="http://schemas.openxmlformats.org/presentationml/2006/main" preserve="1" userDrawn="1">
-  <p:cSld name="Custom Layout">
-    <p:spTree>
-      <p:nvGrpSpPr>
-        <p:cNvPr id="1" name=""/>
-        <p:cNvGrpSpPr/>
-        <p:nvPr/>
-      </p:nvGrpSpPr>
-      <p:grpSpPr>
-        <a:xfrm>
-          <a:off x="0" y="0"/>
-          <a:ext cx="0" cy="0"/>
-          <a:chOff x="0" y="0"/>
-          <a:chExt cx="0" cy="0"/>
-        </a:xfrm>
-      </p:grpSpPr>
-      <p:sp>
-        <p:nvSpPr>
-          <p:cNvPr id="2" name="Title 1">
-            <a:extLst>
-              <a:ext uri="{FF2B5EF4-FFF2-40B4-BE49-F238E27FC236}">
-                <a16:creationId xmlns:a16="http://schemas.microsoft.com/office/drawing/2014/main" id="{202FB17B-173D-49AC-001F-BEA1FCCCB854}"/>
-              </a:ext>
-            </a:extLst>
-          </p:cNvPr>
-          <p:cNvSpPr>
-            <a:spLocks noGrp="1"/>
-          </p:cNvSpPr>
-          <p:nvPr>
-            <p:ph type="title"/>
-          </p:nvPr>
-        </p:nvSpPr>
-        <p:spPr/>
-        <p:txBody>
-          <a:bodyPr/>
-          <a:lstStyle/>
-          <a:p>
-            <a:r>
-              <a:rPr lang="en-US"/>
-              <a:t>Click to edit Master title style</a:t>
-            </a:r>
-          </a:p>
-        </p:txBody>
-      </p:sp>
-      <p:sp>
-        <p:nvSpPr>
-          <p:cNvPr id="3" name="Date Placeholder 2">
-            <a:extLst>
-              <a:ext uri="{FF2B5EF4-FFF2-40B4-BE49-F238E27FC236}">
-                <a16:creationId xmlns:a16="http://schemas.microsoft.com/office/drawing/2014/main" id="{553C1881-7BDE-CBF8-4CA5-91F7316E4BDD}"/>
-              </a:ext>
-            </a:extLst>
-          </p:cNvPr>
-          <p:cNvSpPr>
-            <a:spLocks noGrp="1"/>
-          </p:cNvSpPr>
-          <p:nvPr>
-            <p:ph type="dt" sz="half" idx="10"/>
-          </p:nvPr>
-        </p:nvSpPr>
-        <p:spPr/>
-        <p:txBody>
-          <a:bodyPr/>
-          <a:lstStyle/>
-          <a:p>
-            <a:endParaRPr lang="en-US"/>
-          </a:p>
-        </p:txBody>
-      </p:sp>
-      <p:sp>
-        <p:nvSpPr>
-          <p:cNvPr id="4" name="Footer Placeholder 3">
-            <a:extLst>
-              <a:ext uri="{FF2B5EF4-FFF2-40B4-BE49-F238E27FC236}">
-                <a16:creationId xmlns:a16="http://schemas.microsoft.com/office/drawing/2014/main" id="{E6C9C47A-9578-2AF5-38B3-E8ADBEC80D96}"/>
-              </a:ext>
-            </a:extLst>
-          </p:cNvPr>
-          <p:cNvSpPr>
-            <a:spLocks noGrp="1"/>
-          </p:cNvSpPr>
-          <p:nvPr>
-            <p:ph type="ftr" sz="quarter" idx="11"/>
-          </p:nvPr>
-        </p:nvSpPr>
-        <p:spPr/>
-        <p:txBody>
-          <a:bodyPr/>
-          <a:lstStyle/>
-          <a:p>
-            <a:r>
-              <a:rPr lang="en-US"/>
-              <a:t>(J. Paul Liu, 2026. Generative AI For Science. Leanpub)</a:t>
-            </a:r>
-          </a:p>
-        </p:txBody>
-      </p:sp>
-      <p:sp>
-        <p:nvSpPr>
-          <p:cNvPr id="5" name="Slide Number Placeholder 4">
-            <a:extLst>
-              <a:ext uri="{FF2B5EF4-FFF2-40B4-BE49-F238E27FC236}">
-                <a16:creationId xmlns:a16="http://schemas.microsoft.com/office/drawing/2014/main" id="{A399673D-A676-796D-3283-787B2EF237A1}"/>
-              </a:ext>
-            </a:extLst>
-          </p:cNvPr>
-          <p:cNvSpPr>
-            <a:spLocks noGrp="1"/>
-          </p:cNvSpPr>
-          <p:nvPr>
-            <p:ph type="sldNum" sz="quarter" idx="12"/>
-          </p:nvPr>
-        </p:nvSpPr>
-        <p:spPr/>
-        <p:txBody>
-          <a:bodyPr/>
-          <a:lstStyle/>
-          <a:p>
-            <a:fld id="{DA047E1F-69D3-BB40-9784-148468AC28D7}" type="slidenum">
-              <a:rPr lang="en-US" smtClean="0"/>
-              <a:t>‹#›</a:t>
-            </a:fld>
-            <a:endParaRPr lang="en-US"/>
-          </a:p>
-        </p:txBody>
-      </p:sp>
-    </p:spTree>
-    <p:extLst>
-      <p:ext uri="{BB962C8B-B14F-4D97-AF65-F5344CB8AC3E}">
-        <p14:creationId xmlns:p14="http://schemas.microsoft.com/office/powerpoint/2010/main" val="3706037827"/>
-      </p:ext>
-    </p:extLst>
-  </p:cSld>
-  <p:clrMapOvr>
-    <a:masterClrMapping/>
-  </p:clrMapOvr>
-</p:sldLayout>
-</file>
-
-<file path=ppt/slideLayouts/slideLayout2.xml><?xml version="1.0" encoding="utf-8"?>
-<p:sldLayout xmlns:a="http://schemas.openxmlformats.org/drawingml/2006/main" xmlns:r="http://schemas.openxmlformats.org/officeDocument/2006/relationships" xmlns:p="http://schemas.openxmlformats.org/presentationml/2006/main" type="obj" preserve="1">
-  <p:cSld name="Title and Content">
-    <p:spTree>
-      <p:nvGrpSpPr>
-        <p:cNvPr id="1" name=""/>
-        <p:cNvGrpSpPr/>
-        <p:nvPr/>
-      </p:nvGrpSpPr>
-      <p:grpSpPr>
-        <a:xfrm>
-          <a:off x="0" y="0"/>
-          <a:ext cx="0" cy="0"/>
-          <a:chOff x="0" y="0"/>
-          <a:chExt cx="0" cy="0"/>
-        </a:xfrm>
-      </p:grpSpPr>
-      <p:sp>
-        <p:nvSpPr>
-          <p:cNvPr id="2" name="Title 1">
-            <a:extLst>
-              <a:ext uri="{FF2B5EF4-FFF2-40B4-BE49-F238E27FC236}">
-                <a16:creationId xmlns:a16="http://schemas.microsoft.com/office/drawing/2014/main" id="{C36FF2BD-7D7A-3F95-53D4-07340E3CC182}"/>
-              </a:ext>
-            </a:extLst>
-          </p:cNvPr>
-          <p:cNvSpPr>
-            <a:spLocks noGrp="1"/>
-          </p:cNvSpPr>
-          <p:nvPr>
-            <p:ph type="title"/>
-          </p:nvPr>
-        </p:nvSpPr>
-        <p:spPr/>
-        <p:txBody>
-          <a:bodyPr/>
-          <a:lstStyle/>
-          <a:p>
-            <a:r>
-              <a:rPr lang="en-US"/>
-              <a:t>Click to edit Master title style</a:t>
-            </a:r>
-          </a:p>
-        </p:txBody>
-      </p:sp>
-      <p:sp>
-        <p:nvSpPr>
-          <p:cNvPr id="3" name="Content Placeholder 2">
-            <a:extLst>
-              <a:ext uri="{FF2B5EF4-FFF2-40B4-BE49-F238E27FC236}">
-                <a16:creationId xmlns:a16="http://schemas.microsoft.com/office/drawing/2014/main" id="{019271BC-0E02-3204-5C14-15D76EA3DC88}"/>
-              </a:ext>
-            </a:extLst>
-          </p:cNvPr>
-          <p:cNvSpPr>
-            <a:spLocks noGrp="1"/>
-          </p:cNvSpPr>
-          <p:nvPr>
-            <p:ph idx="1"/>
-          </p:nvPr>
-        </p:nvSpPr>
-        <p:spPr/>
-        <p:txBody>
-          <a:bodyPr/>
-          <a:lstStyle/>
-          <a:p>
-            <a:pPr lvl="0"/>
-            <a:r>
-              <a:rPr lang="en-US"/>
-              <a:t>Click to edit Master text styles</a:t>
-            </a:r>
-          </a:p>
-          <a:p>
-            <a:pPr lvl="1"/>
-            <a:r>
-              <a:rPr lang="en-US"/>
-              <a:t>Second level</a:t>
-            </a:r>
-          </a:p>
-          <a:p>
-            <a:pPr lvl="2"/>
-            <a:r>
-              <a:rPr lang="en-US"/>
-              <a:t>Third level</a:t>
-            </a:r>
-          </a:p>
-          <a:p>
-            <a:pPr lvl="3"/>
-            <a:r>
-              <a:rPr lang="en-US"/>
-              <a:t>Fourth level</a:t>
-            </a:r>
-          </a:p>
-          <a:p>
-            <a:pPr lvl="4"/>
-            <a:r>
-              <a:rPr lang="en-US"/>
-              <a:t>Fifth level</a:t>
-            </a:r>
-          </a:p>
-        </p:txBody>
-      </p:sp>
-      <p:sp>
-        <p:nvSpPr>
-          <p:cNvPr id="4" name="Date Placeholder 3">
-            <a:extLst>
-              <a:ext uri="{FF2B5EF4-FFF2-40B4-BE49-F238E27FC236}">
-                <a16:creationId xmlns:a16="http://schemas.microsoft.com/office/drawing/2014/main" id="{9E372EA7-8758-CAA0-E5EF-BC2E9F035470}"/>
-              </a:ext>
-            </a:extLst>
-          </p:cNvPr>
-          <p:cNvSpPr>
-            <a:spLocks noGrp="1"/>
-          </p:cNvSpPr>
-          <p:nvPr>
-            <p:ph type="dt" sz="half" idx="10"/>
-          </p:nvPr>
-        </p:nvSpPr>
-        <p:spPr/>
-        <p:txBody>
-          <a:bodyPr/>
-          <a:lstStyle/>
-          <a:p>
-            <a:endParaRPr lang="en-US"/>
-          </a:p>
-        </p:txBody>
-      </p:sp>
-      <p:sp>
-        <p:nvSpPr>
-          <p:cNvPr id="5" name="Footer Placeholder 4">
-            <a:extLst>
-              <a:ext uri="{FF2B5EF4-FFF2-40B4-BE49-F238E27FC236}">
-                <a16:creationId xmlns:a16="http://schemas.microsoft.com/office/drawing/2014/main" id="{3F8A1B20-56B9-A0B5-1971-FE967EDE627E}"/>
-              </a:ext>
-            </a:extLst>
-          </p:cNvPr>
-          <p:cNvSpPr>
-            <a:spLocks noGrp="1"/>
-          </p:cNvSpPr>
-          <p:nvPr>
-            <p:ph type="ftr" sz="quarter" idx="11"/>
-          </p:nvPr>
-        </p:nvSpPr>
-        <p:spPr/>
-        <p:txBody>
-          <a:bodyPr/>
-          <a:lstStyle/>
-          <a:p>
-            <a:r>
-              <a:rPr lang="en-US"/>
-              <a:t>(J. Paul Liu, 2026. Generative AI For Science. Leanpub)</a:t>
-            </a:r>
-          </a:p>
-        </p:txBody>
-      </p:sp>
-      <p:sp>
-        <p:nvSpPr>
-          <p:cNvPr id="6" name="Slide Number Placeholder 5">
-            <a:extLst>
-              <a:ext uri="{FF2B5EF4-FFF2-40B4-BE49-F238E27FC236}">
-                <a16:creationId xmlns:a16="http://schemas.microsoft.com/office/drawing/2014/main" id="{60B9AF7A-A582-177F-F59D-ED3B20AB2976}"/>
-              </a:ext>
-            </a:extLst>
-          </p:cNvPr>
-          <p:cNvSpPr>
-            <a:spLocks noGrp="1"/>
-          </p:cNvSpPr>
-          <p:nvPr>
-            <p:ph type="sldNum" sz="quarter" idx="12"/>
-          </p:nvPr>
-        </p:nvSpPr>
-        <p:spPr/>
-        <p:txBody>
-          <a:bodyPr/>
-          <a:lstStyle/>
-          <a:p>
-            <a:fld id="{DA047E1F-69D3-BB40-9784-148468AC28D7}" type="slidenum">
-              <a:rPr lang="en-US" smtClean="0"/>
-              <a:t>‹#›</a:t>
-            </a:fld>
-            <a:endParaRPr lang="en-US"/>
-          </a:p>
-        </p:txBody>
-      </p:sp>
-    </p:spTree>
-    <p:extLst>
-      <p:ext uri="{BB962C8B-B14F-4D97-AF65-F5344CB8AC3E}">
-        <p14:creationId xmlns:p14="http://schemas.microsoft.com/office/powerpoint/2010/main" val="3760650913"/>
-      </p:ext>
-    </p:extLst>
-  </p:cSld>
-  <p:clrMapOvr>
-    <a:masterClrMapping/>
-  </p:clrMapOvr>
-</p:sldLayout>
-</file>
-
-<file path=ppt/slideLayouts/slideLayout3.xml><?xml version="1.0" encoding="utf-8"?>
-<p:sldLayout xmlns:a="http://schemas.openxmlformats.org/drawingml/2006/main" xmlns:r="http://schemas.openxmlformats.org/officeDocument/2006/relationships" xmlns:p="http://schemas.openxmlformats.org/presentationml/2006/main" type="secHead" preserve="1">
-  <p:cSld name="Section Header">
-    <p:spTree>
-      <p:nvGrpSpPr>
-        <p:cNvPr id="1" name=""/>
-        <p:cNvGrpSpPr/>
-        <p:nvPr/>
-      </p:nvGrpSpPr>
-      <p:grpSpPr>
-        <a:xfrm>
-          <a:off x="0" y="0"/>
-          <a:ext cx="0" cy="0"/>
-          <a:chOff x="0" y="0"/>
-          <a:chExt cx="0" cy="0"/>
-        </a:xfrm>
-      </p:grpSpPr>
-      <p:sp>
-        <p:nvSpPr>
-          <p:cNvPr id="2" name="Title 1">
-            <a:extLst>
-              <a:ext uri="{FF2B5EF4-FFF2-40B4-BE49-F238E27FC236}">
-                <a16:creationId xmlns:a16="http://schemas.microsoft.com/office/drawing/2014/main" id="{842F23EC-9C0F-2207-C8F4-DAB0128734C6}"/>
-              </a:ext>
-            </a:extLst>
-          </p:cNvPr>
-          <p:cNvSpPr>
-            <a:spLocks noGrp="1"/>
-          </p:cNvSpPr>
-          <p:nvPr>
-            <p:ph type="title"/>
-          </p:nvPr>
-        </p:nvSpPr>
-        <p:spPr>
-          <a:xfrm>
-            <a:off x="623888" y="1282700"/>
-            <a:ext cx="7886700" cy="2139950"/>
-          </a:xfrm>
-        </p:spPr>
-        <p:txBody>
-          <a:bodyPr anchor="b"/>
-          <a:lstStyle>
-            <a:lvl1pPr>
-              <a:defRPr sz="6000"/>
-            </a:lvl1pPr>
-          </a:lstStyle>
-          <a:p>
-            <a:r>
-              <a:rPr lang="en-US"/>
-              <a:t>Click to edit Master title style</a:t>
-            </a:r>
-          </a:p>
-        </p:txBody>
-      </p:sp>
-      <p:sp>
-        <p:nvSpPr>
-          <p:cNvPr id="3" name="Text Placeholder 2">
-            <a:extLst>
-              <a:ext uri="{FF2B5EF4-FFF2-40B4-BE49-F238E27FC236}">
-                <a16:creationId xmlns:a16="http://schemas.microsoft.com/office/drawing/2014/main" id="{4B152784-BD02-73EF-4D5D-583E40AC1E52}"/>
-              </a:ext>
-            </a:extLst>
-          </p:cNvPr>
-          <p:cNvSpPr>
-            <a:spLocks noGrp="1"/>
-          </p:cNvSpPr>
-          <p:nvPr>
-            <p:ph type="body" idx="1"/>
-          </p:nvPr>
-        </p:nvSpPr>
-        <p:spPr>
-          <a:xfrm>
-            <a:off x="623888" y="3441700"/>
-            <a:ext cx="7886700" cy="1125538"/>
-          </a:xfrm>
-        </p:spPr>
-        <p:txBody>
-          <a:bodyPr/>
-          <a:lstStyle>
-            <a:lvl1pPr marL="0" indent="0">
-              <a:buNone/>
-              <a:defRPr sz="2400">
-                <a:solidFill>
-                  <a:schemeClr val="tx1">
-                    <a:tint val="82000"/>
-                  </a:schemeClr>
-                </a:solidFill>
-              </a:defRPr>
-            </a:lvl1pPr>
-            <a:lvl2pPr marL="457200" indent="0">
-              <a:buNone/>
-              <a:defRPr sz="2000">
-                <a:solidFill>
-                  <a:schemeClr val="tx1">
-                    <a:tint val="82000"/>
-                  </a:schemeClr>
-                </a:solidFill>
-              </a:defRPr>
-            </a:lvl2pPr>
-            <a:lvl3pPr marL="914400" indent="0">
-              <a:buNone/>
-              <a:defRPr sz="1800">
-                <a:solidFill>
-                  <a:schemeClr val="tx1">
-                    <a:tint val="82000"/>
-                  </a:schemeClr>
-                </a:solidFill>
-              </a:defRPr>
-            </a:lvl3pPr>
-            <a:lvl4pPr marL="1371600" indent="0">
-              <a:buNone/>
-              <a:defRPr sz="1600">
-                <a:solidFill>
-                  <a:schemeClr val="tx1">
-                    <a:tint val="82000"/>
-                  </a:schemeClr>
-                </a:solidFill>
-              </a:defRPr>
-            </a:lvl4pPr>
-            <a:lvl5pPr marL="1828800" indent="0">
-              <a:buNone/>
-              <a:defRPr sz="1600">
-                <a:solidFill>
-                  <a:schemeClr val="tx1">
-                    <a:tint val="82000"/>
-                  </a:schemeClr>
-                </a:solidFill>
-              </a:defRPr>
-            </a:lvl5pPr>
-            <a:lvl6pPr marL="2286000" indent="0">
-              <a:buNone/>
-              <a:defRPr sz="1600">
-                <a:solidFill>
-                  <a:schemeClr val="tx1">
-                    <a:tint val="82000"/>
-                  </a:schemeClr>
-                </a:solidFill>
-              </a:defRPr>
-            </a:lvl6pPr>
-            <a:lvl7pPr marL="2743200" indent="0">
-              <a:buNone/>
-              <a:defRPr sz="1600">
-                <a:solidFill>
-                  <a:schemeClr val="tx1">
-                    <a:tint val="82000"/>
-                  </a:schemeClr>
-                </a:solidFill>
-              </a:defRPr>
-            </a:lvl7pPr>
-            <a:lvl8pPr marL="3200400" indent="0">
-              <a:buNone/>
-              <a:defRPr sz="1600">
-                <a:solidFill>
-                  <a:schemeClr val="tx1">
-                    <a:tint val="82000"/>
-                  </a:schemeClr>
-                </a:solidFill>
-              </a:defRPr>
-            </a:lvl8pPr>
-            <a:lvl9pPr marL="3657600" indent="0">
-              <a:buNone/>
-              <a:defRPr sz="1600">
-                <a:solidFill>
-                  <a:schemeClr val="tx1">
-                    <a:tint val="82000"/>
-                  </a:schemeClr>
-                </a:solidFill>
-              </a:defRPr>
-            </a:lvl9pPr>
-          </a:lstStyle>
-          <a:p>
-            <a:pPr lvl="0"/>
-            <a:r>
-              <a:rPr lang="en-US"/>
-              <a:t>Click to edit Master text styles</a:t>
-            </a:r>
-          </a:p>
-        </p:txBody>
-      </p:sp>
-      <p:sp>
-        <p:nvSpPr>
-          <p:cNvPr id="4" name="Date Placeholder 3">
-            <a:extLst>
-              <a:ext uri="{FF2B5EF4-FFF2-40B4-BE49-F238E27FC236}">
-                <a16:creationId xmlns:a16="http://schemas.microsoft.com/office/drawing/2014/main" id="{56CADFD2-86EF-E1BC-1C90-6E1DF7DF8B1D}"/>
-              </a:ext>
-            </a:extLst>
-          </p:cNvPr>
-          <p:cNvSpPr>
-            <a:spLocks noGrp="1"/>
-          </p:cNvSpPr>
-          <p:nvPr>
-            <p:ph type="dt" sz="half" idx="10"/>
-          </p:nvPr>
-        </p:nvSpPr>
-        <p:spPr/>
-        <p:txBody>
-          <a:bodyPr/>
-          <a:lstStyle/>
-          <a:p>
-            <a:endParaRPr lang="en-US"/>
-          </a:p>
-        </p:txBody>
-      </p:sp>
-      <p:sp>
-        <p:nvSpPr>
-          <p:cNvPr id="5" name="Footer Placeholder 4">
-            <a:extLst>
-              <a:ext uri="{FF2B5EF4-FFF2-40B4-BE49-F238E27FC236}">
-                <a16:creationId xmlns:a16="http://schemas.microsoft.com/office/drawing/2014/main" id="{53FDDD4A-0483-9A24-0FE3-A0E9000488D6}"/>
-              </a:ext>
-            </a:extLst>
-          </p:cNvPr>
-          <p:cNvSpPr>
-            <a:spLocks noGrp="1"/>
-          </p:cNvSpPr>
-          <p:nvPr>
-            <p:ph type="ftr" sz="quarter" idx="11"/>
-          </p:nvPr>
-        </p:nvSpPr>
-        <p:spPr/>
-        <p:txBody>
-          <a:bodyPr/>
-          <a:lstStyle/>
-          <a:p>
-            <a:r>
-              <a:rPr lang="en-US"/>
-              <a:t>(J. Paul Liu, 2026. Generative AI For Science. Leanpub)</a:t>
-            </a:r>
-          </a:p>
-        </p:txBody>
-      </p:sp>
-      <p:sp>
-        <p:nvSpPr>
-          <p:cNvPr id="6" name="Slide Number Placeholder 5">
-            <a:extLst>
-              <a:ext uri="{FF2B5EF4-FFF2-40B4-BE49-F238E27FC236}">
-                <a16:creationId xmlns:a16="http://schemas.microsoft.com/office/drawing/2014/main" id="{2C7C328E-30A9-363E-3F6F-9CF8F49A07C9}"/>
-              </a:ext>
-            </a:extLst>
-          </p:cNvPr>
-          <p:cNvSpPr>
-            <a:spLocks noGrp="1"/>
-          </p:cNvSpPr>
-          <p:nvPr>
-            <p:ph type="sldNum" sz="quarter" idx="12"/>
-          </p:nvPr>
-        </p:nvSpPr>
-        <p:spPr/>
-        <p:txBody>
-          <a:bodyPr/>
-          <a:lstStyle/>
-          <a:p>
-            <a:fld id="{DA047E1F-69D3-BB40-9784-148468AC28D7}" type="slidenum">
-              <a:rPr lang="en-US" smtClean="0"/>
-              <a:t>‹#›</a:t>
-            </a:fld>
-            <a:endParaRPr lang="en-US"/>
-          </a:p>
-        </p:txBody>
-      </p:sp>
-    </p:spTree>
-    <p:extLst>
-      <p:ext uri="{BB962C8B-B14F-4D97-AF65-F5344CB8AC3E}">
-        <p14:creationId xmlns:p14="http://schemas.microsoft.com/office/powerpoint/2010/main" val="4150059786"/>
-      </p:ext>
-    </p:extLst>
-  </p:cSld>
-  <p:clrMapOvr>
-    <a:masterClrMapping/>
-  </p:clrMapOvr>
-</p:sldLayout>
-</file>
-
-<file path=ppt/slideLayouts/slideLayout4.xml><?xml version="1.0" encoding="utf-8"?>
-<p:sldLayout xmlns:a="http://schemas.openxmlformats.org/drawingml/2006/main" xmlns:r="http://schemas.openxmlformats.org/officeDocument/2006/relationships" xmlns:p="http://schemas.openxmlformats.org/presentationml/2006/main" type="twoObj" preserve="1">
-  <p:cSld name="Two Content">
-    <p:spTree>
-      <p:nvGrpSpPr>
-        <p:cNvPr id="1" name=""/>
-        <p:cNvGrpSpPr/>
-        <p:nvPr/>
-      </p:nvGrpSpPr>
-      <p:grpSpPr>
-        <a:xfrm>
-          <a:off x="0" y="0"/>
-          <a:ext cx="0" cy="0"/>
-          <a:chOff x="0" y="0"/>
-          <a:chExt cx="0" cy="0"/>
-        </a:xfrm>
-      </p:grpSpPr>
-      <p:sp>
-        <p:nvSpPr>
-          <p:cNvPr id="2" name="Title 1">
-            <a:extLst>
-              <a:ext uri="{FF2B5EF4-FFF2-40B4-BE49-F238E27FC236}">
-                <a16:creationId xmlns:a16="http://schemas.microsoft.com/office/drawing/2014/main" id="{CCF7E854-0073-F90C-ABB7-0C7B2B620D4B}"/>
-              </a:ext>
-            </a:extLst>
-          </p:cNvPr>
-          <p:cNvSpPr>
-            <a:spLocks noGrp="1"/>
-          </p:cNvSpPr>
-          <p:nvPr>
-            <p:ph type="title"/>
-          </p:nvPr>
-        </p:nvSpPr>
-        <p:spPr/>
-        <p:txBody>
-          <a:bodyPr/>
-          <a:lstStyle/>
-          <a:p>
-            <a:r>
-              <a:rPr lang="en-US"/>
-              <a:t>Click to edit Master title style</a:t>
-            </a:r>
-          </a:p>
-        </p:txBody>
-      </p:sp>
-      <p:sp>
-        <p:nvSpPr>
-          <p:cNvPr id="3" name="Content Placeholder 2">
-            <a:extLst>
-              <a:ext uri="{FF2B5EF4-FFF2-40B4-BE49-F238E27FC236}">
-                <a16:creationId xmlns:a16="http://schemas.microsoft.com/office/drawing/2014/main" id="{56CA8255-0E18-0FE4-9854-48619D45FF78}"/>
-              </a:ext>
-            </a:extLst>
-          </p:cNvPr>
-          <p:cNvSpPr>
-            <a:spLocks noGrp="1"/>
-          </p:cNvSpPr>
-          <p:nvPr>
-            <p:ph sz="half" idx="1"/>
-          </p:nvPr>
-        </p:nvSpPr>
-        <p:spPr>
-          <a:xfrm>
-            <a:off x="628650" y="1370013"/>
-            <a:ext cx="3867150" cy="3262312"/>
-          </a:xfrm>
-        </p:spPr>
-        <p:txBody>
-          <a:bodyPr/>
-          <a:lstStyle/>
-          <a:p>
-            <a:pPr lvl="0"/>
-            <a:r>
-              <a:rPr lang="en-US"/>
-              <a:t>Click to edit Master text styles</a:t>
-            </a:r>
-          </a:p>
-          <a:p>
-            <a:pPr lvl="1"/>
-            <a:r>
-              <a:rPr lang="en-US"/>
-              <a:t>Second level</a:t>
-            </a:r>
-          </a:p>
-          <a:p>
-            <a:pPr lvl="2"/>
-            <a:r>
-              <a:rPr lang="en-US"/>
-              <a:t>Third level</a:t>
-            </a:r>
-          </a:p>
-          <a:p>
-            <a:pPr lvl="3"/>
-            <a:r>
-              <a:rPr lang="en-US"/>
-              <a:t>Fourth level</a:t>
-            </a:r>
-          </a:p>
-          <a:p>
-            <a:pPr lvl="4"/>
-            <a:r>
-              <a:rPr lang="en-US"/>
-              <a:t>Fifth level</a:t>
-            </a:r>
-          </a:p>
-        </p:txBody>
-      </p:sp>
-      <p:sp>
-        <p:nvSpPr>
-          <p:cNvPr id="4" name="Content Placeholder 3">
-            <a:extLst>
-              <a:ext uri="{FF2B5EF4-FFF2-40B4-BE49-F238E27FC236}">
-                <a16:creationId xmlns:a16="http://schemas.microsoft.com/office/drawing/2014/main" id="{EC3B0202-FD24-353F-74F6-1D9001780B9A}"/>
-              </a:ext>
-            </a:extLst>
-          </p:cNvPr>
-          <p:cNvSpPr>
-            <a:spLocks noGrp="1"/>
-          </p:cNvSpPr>
-          <p:nvPr>
-            <p:ph sz="half" idx="2"/>
-          </p:nvPr>
-        </p:nvSpPr>
-        <p:spPr>
-          <a:xfrm>
-            <a:off x="4648200" y="1370013"/>
-            <a:ext cx="3867150" cy="3262312"/>
-          </a:xfrm>
-        </p:spPr>
-        <p:txBody>
-          <a:bodyPr/>
-          <a:lstStyle/>
-          <a:p>
-            <a:pPr lvl="0"/>
-            <a:r>
-              <a:rPr lang="en-US"/>
-              <a:t>Click to edit Master text styles</a:t>
-            </a:r>
-          </a:p>
-          <a:p>
-            <a:pPr lvl="1"/>
-            <a:r>
-              <a:rPr lang="en-US"/>
-              <a:t>Second level</a:t>
-            </a:r>
-          </a:p>
-          <a:p>
-            <a:pPr lvl="2"/>
-            <a:r>
-              <a:rPr lang="en-US"/>
-              <a:t>Third level</a:t>
-            </a:r>
-          </a:p>
-          <a:p>
-            <a:pPr lvl="3"/>
-            <a:r>
-              <a:rPr lang="en-US"/>
-              <a:t>Fourth level</a:t>
-            </a:r>
-          </a:p>
-          <a:p>
-            <a:pPr lvl="4"/>
-            <a:r>
-              <a:rPr lang="en-US"/>
-              <a:t>Fifth level</a:t>
-            </a:r>
-          </a:p>
-        </p:txBody>
-      </p:sp>
-      <p:sp>
-        <p:nvSpPr>
-          <p:cNvPr id="5" name="Date Placeholder 4">
-            <a:extLst>
-              <a:ext uri="{FF2B5EF4-FFF2-40B4-BE49-F238E27FC236}">
-                <a16:creationId xmlns:a16="http://schemas.microsoft.com/office/drawing/2014/main" id="{DD0F3B4A-A5F2-AC6C-EB1A-68070B209229}"/>
-              </a:ext>
-            </a:extLst>
-          </p:cNvPr>
-          <p:cNvSpPr>
-            <a:spLocks noGrp="1"/>
-          </p:cNvSpPr>
-          <p:nvPr>
-            <p:ph type="dt" sz="half" idx="10"/>
-          </p:nvPr>
-        </p:nvSpPr>
-        <p:spPr/>
-        <p:txBody>
-          <a:bodyPr/>
-          <a:lstStyle/>
-          <a:p>
-            <a:endParaRPr lang="en-US"/>
-          </a:p>
-        </p:txBody>
-      </p:sp>
-      <p:sp>
-        <p:nvSpPr>
-          <p:cNvPr id="6" name="Footer Placeholder 5">
-            <a:extLst>
-              <a:ext uri="{FF2B5EF4-FFF2-40B4-BE49-F238E27FC236}">
-                <a16:creationId xmlns:a16="http://schemas.microsoft.com/office/drawing/2014/main" id="{DCF36481-11B2-487A-B8C4-446B4466CEDD}"/>
-              </a:ext>
-            </a:extLst>
-          </p:cNvPr>
-          <p:cNvSpPr>
-            <a:spLocks noGrp="1"/>
-          </p:cNvSpPr>
-          <p:nvPr>
-            <p:ph type="ftr" sz="quarter" idx="11"/>
-          </p:nvPr>
-        </p:nvSpPr>
-        <p:spPr/>
-        <p:txBody>
-          <a:bodyPr/>
-          <a:lstStyle/>
-          <a:p>
-            <a:r>
-              <a:rPr lang="en-US"/>
-              <a:t>(J. Paul Liu, 2026. Generative AI For Science. Leanpub)</a:t>
-            </a:r>
-          </a:p>
-        </p:txBody>
-      </p:sp>
-      <p:sp>
-        <p:nvSpPr>
-          <p:cNvPr id="7" name="Slide Number Placeholder 6">
-            <a:extLst>
-              <a:ext uri="{FF2B5EF4-FFF2-40B4-BE49-F238E27FC236}">
-                <a16:creationId xmlns:a16="http://schemas.microsoft.com/office/drawing/2014/main" id="{952D6A78-3AB3-953D-A8DD-3178309F4A71}"/>
-              </a:ext>
-            </a:extLst>
-          </p:cNvPr>
-          <p:cNvSpPr>
-            <a:spLocks noGrp="1"/>
-          </p:cNvSpPr>
-          <p:nvPr>
-            <p:ph type="sldNum" sz="quarter" idx="12"/>
-          </p:nvPr>
-        </p:nvSpPr>
-        <p:spPr/>
-        <p:txBody>
-          <a:bodyPr/>
-          <a:lstStyle/>
-          <a:p>
-            <a:fld id="{DA047E1F-69D3-BB40-9784-148468AC28D7}" type="slidenum">
-              <a:rPr lang="en-US" smtClean="0"/>
-              <a:t>‹#›</a:t>
-            </a:fld>
-            <a:endParaRPr lang="en-US"/>
-          </a:p>
-        </p:txBody>
-      </p:sp>
-    </p:spTree>
-    <p:extLst>
-      <p:ext uri="{BB962C8B-B14F-4D97-AF65-F5344CB8AC3E}">
-        <p14:creationId xmlns:p14="http://schemas.microsoft.com/office/powerpoint/2010/main" val="2249390667"/>
-      </p:ext>
-    </p:extLst>
-  </p:cSld>
-  <p:clrMapOvr>
-    <a:masterClrMapping/>
-  </p:clrMapOvr>
-</p:sldLayout>
-</file>
-
-<file path=ppt/slideLayouts/slideLayout5.xml><?xml version="1.0" encoding="utf-8"?>
-<p:sldLayout xmlns:a="http://schemas.openxmlformats.org/drawingml/2006/main" xmlns:r="http://schemas.openxmlformats.org/officeDocument/2006/relationships" xmlns:p="http://schemas.openxmlformats.org/presentationml/2006/main" type="twoTxTwoObj" preserve="1">
-  <p:cSld name="Comparison">
-    <p:spTree>
-      <p:nvGrpSpPr>
-        <p:cNvPr id="1" name=""/>
-        <p:cNvGrpSpPr/>
-        <p:nvPr/>
-      </p:nvGrpSpPr>
-      <p:grpSpPr>
-        <a:xfrm>
-          <a:off x="0" y="0"/>
-          <a:ext cx="0" cy="0"/>
-          <a:chOff x="0" y="0"/>
-          <a:chExt cx="0" cy="0"/>
-        </a:xfrm>
-      </p:grpSpPr>
-      <p:sp>
-        <p:nvSpPr>
-          <p:cNvPr id="2" name="Title 1">
-            <a:extLst>
-              <a:ext uri="{FF2B5EF4-FFF2-40B4-BE49-F238E27FC236}">
-                <a16:creationId xmlns:a16="http://schemas.microsoft.com/office/drawing/2014/main" id="{7D0DA07D-D50A-EFBE-0662-D69FBF4C57AF}"/>
-              </a:ext>
-            </a:extLst>
-          </p:cNvPr>
-          <p:cNvSpPr>
-            <a:spLocks noGrp="1"/>
-          </p:cNvSpPr>
-          <p:nvPr>
-            <p:ph type="title"/>
-          </p:nvPr>
-        </p:nvSpPr>
-        <p:spPr>
-          <a:xfrm>
-            <a:off x="630238" y="274638"/>
-            <a:ext cx="7886700" cy="993775"/>
-          </a:xfrm>
-        </p:spPr>
-        <p:txBody>
-          <a:bodyPr/>
-          <a:lstStyle/>
-          <a:p>
-            <a:r>
-              <a:rPr lang="en-US"/>
-              <a:t>Click to edit Master title style</a:t>
-            </a:r>
-          </a:p>
-        </p:txBody>
-      </p:sp>
-      <p:sp>
-        <p:nvSpPr>
-          <p:cNvPr id="3" name="Text Placeholder 2">
-            <a:extLst>
-              <a:ext uri="{FF2B5EF4-FFF2-40B4-BE49-F238E27FC236}">
-                <a16:creationId xmlns:a16="http://schemas.microsoft.com/office/drawing/2014/main" id="{C9DBA7C7-2AE9-673E-1BD5-57F85875C41C}"/>
-              </a:ext>
-            </a:extLst>
-          </p:cNvPr>
-          <p:cNvSpPr>
-            <a:spLocks noGrp="1"/>
-          </p:cNvSpPr>
-          <p:nvPr>
-            <p:ph type="body" idx="1"/>
-          </p:nvPr>
-        </p:nvSpPr>
-        <p:spPr>
-          <a:xfrm>
-            <a:off x="630238" y="1260475"/>
-            <a:ext cx="3868737" cy="619125"/>
-          </a:xfrm>
-        </p:spPr>
-        <p:txBody>
-          <a:bodyPr anchor="b"/>
-          <a:lstStyle>
-            <a:lvl1pPr marL="0" indent="0">
-              <a:buNone/>
-              <a:defRPr sz="2400" b="1"/>
-            </a:lvl1pPr>
-            <a:lvl2pPr marL="457200" indent="0">
-              <a:buNone/>
-              <a:defRPr sz="2000" b="1"/>
-            </a:lvl2pPr>
-            <a:lvl3pPr marL="914400" indent="0">
-              <a:buNone/>
-              <a:defRPr sz="1800" b="1"/>
-            </a:lvl3pPr>
-            <a:lvl4pPr marL="1371600" indent="0">
-              <a:buNone/>
-              <a:defRPr sz="1600" b="1"/>
-            </a:lvl4pPr>
-            <a:lvl5pPr marL="1828800" indent="0">
-              <a:buNone/>
-              <a:defRPr sz="1600" b="1"/>
-            </a:lvl5pPr>
-            <a:lvl6pPr marL="2286000" indent="0">
-              <a:buNone/>
-              <a:defRPr sz="1600" b="1"/>
-            </a:lvl6pPr>
-            <a:lvl7pPr marL="2743200" indent="0">
-              <a:buNone/>
-              <a:defRPr sz="1600" b="1"/>
-            </a:lvl7pPr>
-            <a:lvl8pPr marL="3200400" indent="0">
-              <a:buNone/>
-              <a:defRPr sz="1600" b="1"/>
-            </a:lvl8pPr>
-            <a:lvl9pPr marL="3657600" indent="0">
-              <a:buNone/>
-              <a:defRPr sz="1600" b="1"/>
-            </a:lvl9pPr>
-          </a:lstStyle>
-          <a:p>
-            <a:pPr lvl="0"/>
-            <a:r>
-              <a:rPr lang="en-US"/>
-              <a:t>Click to edit Master text styles</a:t>
-            </a:r>
-          </a:p>
-        </p:txBody>
-      </p:sp>
-      <p:sp>
-        <p:nvSpPr>
-          <p:cNvPr id="4" name="Content Placeholder 3">
-            <a:extLst>
-              <a:ext uri="{FF2B5EF4-FFF2-40B4-BE49-F238E27FC236}">
-                <a16:creationId xmlns:a16="http://schemas.microsoft.com/office/drawing/2014/main" id="{5E2BDB15-8EEC-3A08-0F4A-538A619AF206}"/>
-              </a:ext>
-            </a:extLst>
-          </p:cNvPr>
-          <p:cNvSpPr>
-            <a:spLocks noGrp="1"/>
-          </p:cNvSpPr>
-          <p:nvPr>
-            <p:ph sz="half" idx="2"/>
-          </p:nvPr>
-        </p:nvSpPr>
-        <p:spPr>
-          <a:xfrm>
-            <a:off x="630238" y="1879600"/>
-            <a:ext cx="3868737" cy="2762250"/>
-          </a:xfrm>
-        </p:spPr>
-        <p:txBody>
-          <a:bodyPr/>
-          <a:lstStyle/>
-          <a:p>
-            <a:pPr lvl="0"/>
-            <a:r>
-              <a:rPr lang="en-US"/>
-              <a:t>Click to edit Master text styles</a:t>
-            </a:r>
-          </a:p>
-          <a:p>
-            <a:pPr lvl="1"/>
-            <a:r>
-              <a:rPr lang="en-US"/>
-              <a:t>Second level</a:t>
-            </a:r>
-          </a:p>
-          <a:p>
-            <a:pPr lvl="2"/>
-            <a:r>
-              <a:rPr lang="en-US"/>
-              <a:t>Third level</a:t>
-            </a:r>
-          </a:p>
-          <a:p>
-            <a:pPr lvl="3"/>
-            <a:r>
-              <a:rPr lang="en-US"/>
-              <a:t>Fourth level</a:t>
-            </a:r>
-          </a:p>
-          <a:p>
-            <a:pPr lvl="4"/>
-            <a:r>
-              <a:rPr lang="en-US"/>
-              <a:t>Fifth level</a:t>
-            </a:r>
-          </a:p>
-        </p:txBody>
-      </p:sp>
-      <p:sp>
-        <p:nvSpPr>
-          <p:cNvPr id="5" name="Text Placeholder 4">
-            <a:extLst>
-              <a:ext uri="{FF2B5EF4-FFF2-40B4-BE49-F238E27FC236}">
-                <a16:creationId xmlns:a16="http://schemas.microsoft.com/office/drawing/2014/main" id="{AF768BDD-37DB-C1D5-CB6A-F581249099AC}"/>
-              </a:ext>
-            </a:extLst>
-          </p:cNvPr>
-          <p:cNvSpPr>
-            <a:spLocks noGrp="1"/>
-          </p:cNvSpPr>
-          <p:nvPr>
-            <p:ph type="body" sz="quarter" idx="3"/>
-          </p:nvPr>
-        </p:nvSpPr>
-        <p:spPr>
-          <a:xfrm>
-            <a:off x="4629150" y="1260475"/>
-            <a:ext cx="3887788" cy="619125"/>
-          </a:xfrm>
-        </p:spPr>
-        <p:txBody>
-          <a:bodyPr anchor="b"/>
-          <a:lstStyle>
-            <a:lvl1pPr marL="0" indent="0">
-              <a:buNone/>
-              <a:defRPr sz="2400" b="1"/>
-            </a:lvl1pPr>
-            <a:lvl2pPr marL="457200" indent="0">
-              <a:buNone/>
-              <a:defRPr sz="2000" b="1"/>
-            </a:lvl2pPr>
-            <a:lvl3pPr marL="914400" indent="0">
-              <a:buNone/>
-              <a:defRPr sz="1800" b="1"/>
-            </a:lvl3pPr>
-            <a:lvl4pPr marL="1371600" indent="0">
-              <a:buNone/>
-              <a:defRPr sz="1600" b="1"/>
-            </a:lvl4pPr>
-            <a:lvl5pPr marL="1828800" indent="0">
-              <a:buNone/>
-              <a:defRPr sz="1600" b="1"/>
-            </a:lvl5pPr>
-            <a:lvl6pPr marL="2286000" indent="0">
-              <a:buNone/>
-              <a:defRPr sz="1600" b="1"/>
-            </a:lvl6pPr>
-            <a:lvl7pPr marL="2743200" indent="0">
-              <a:buNone/>
-              <a:defRPr sz="1600" b="1"/>
-            </a:lvl7pPr>
-            <a:lvl8pPr marL="3200400" indent="0">
-              <a:buNone/>
-              <a:defRPr sz="1600" b="1"/>
-            </a:lvl8pPr>
-            <a:lvl9pPr marL="3657600" indent="0">
-              <a:buNone/>
-              <a:defRPr sz="1600" b="1"/>
-            </a:lvl9pPr>
-          </a:lstStyle>
-          <a:p>
-            <a:pPr lvl="0"/>
-            <a:r>
-              <a:rPr lang="en-US"/>
-              <a:t>Click to edit Master text styles</a:t>
-            </a:r>
-          </a:p>
-        </p:txBody>
-      </p:sp>
-      <p:sp>
-        <p:nvSpPr>
-          <p:cNvPr id="6" name="Content Placeholder 5">
-            <a:extLst>
-              <a:ext uri="{FF2B5EF4-FFF2-40B4-BE49-F238E27FC236}">
-                <a16:creationId xmlns:a16="http://schemas.microsoft.com/office/drawing/2014/main" id="{AD39BB16-68A9-C2C6-30CA-65C7E6E90C2D}"/>
-              </a:ext>
-            </a:extLst>
-          </p:cNvPr>
-          <p:cNvSpPr>
-            <a:spLocks noGrp="1"/>
-          </p:cNvSpPr>
-          <p:nvPr>
-            <p:ph sz="quarter" idx="4"/>
-          </p:nvPr>
-        </p:nvSpPr>
-        <p:spPr>
-          <a:xfrm>
-            <a:off x="4629150" y="1879600"/>
-            <a:ext cx="3887788" cy="2762250"/>
-          </a:xfrm>
-        </p:spPr>
-        <p:txBody>
-          <a:bodyPr/>
-          <a:lstStyle/>
-          <a:p>
-            <a:pPr lvl="0"/>
-            <a:r>
-              <a:rPr lang="en-US"/>
-              <a:t>Click to edit Master text styles</a:t>
-            </a:r>
-          </a:p>
-          <a:p>
-            <a:pPr lvl="1"/>
-            <a:r>
-              <a:rPr lang="en-US"/>
-              <a:t>Second level</a:t>
-            </a:r>
-          </a:p>
-          <a:p>
-            <a:pPr lvl="2"/>
-            <a:r>
-              <a:rPr lang="en-US"/>
-              <a:t>Third level</a:t>
-            </a:r>
-          </a:p>
-          <a:p>
-            <a:pPr lvl="3"/>
-            <a:r>
-              <a:rPr lang="en-US"/>
-              <a:t>Fourth level</a:t>
-            </a:r>
-          </a:p>
-          <a:p>
-            <a:pPr lvl="4"/>
-            <a:r>
-              <a:rPr lang="en-US"/>
-              <a:t>Fifth level</a:t>
-            </a:r>
-          </a:p>
-        </p:txBody>
-      </p:sp>
-      <p:sp>
-        <p:nvSpPr>
-          <p:cNvPr id="7" name="Date Placeholder 6">
-            <a:extLst>
-              <a:ext uri="{FF2B5EF4-FFF2-40B4-BE49-F238E27FC236}">
-                <a16:creationId xmlns:a16="http://schemas.microsoft.com/office/drawing/2014/main" id="{EFC4FE78-07C8-9E9B-76F9-27805F20E248}"/>
-              </a:ext>
-            </a:extLst>
-          </p:cNvPr>
-          <p:cNvSpPr>
-            <a:spLocks noGrp="1"/>
-          </p:cNvSpPr>
-          <p:nvPr>
-            <p:ph type="dt" sz="half" idx="10"/>
-          </p:nvPr>
-        </p:nvSpPr>
-        <p:spPr/>
-        <p:txBody>
-          <a:bodyPr/>
-          <a:lstStyle/>
-          <a:p>
-            <a:endParaRPr lang="en-US"/>
-          </a:p>
-        </p:txBody>
-      </p:sp>
-      <p:sp>
-        <p:nvSpPr>
-          <p:cNvPr id="8" name="Footer Placeholder 7">
-            <a:extLst>
-              <a:ext uri="{FF2B5EF4-FFF2-40B4-BE49-F238E27FC236}">
-                <a16:creationId xmlns:a16="http://schemas.microsoft.com/office/drawing/2014/main" id="{D6ADC6BA-09DD-C48E-18CB-868781E55463}"/>
-              </a:ext>
-            </a:extLst>
-          </p:cNvPr>
-          <p:cNvSpPr>
-            <a:spLocks noGrp="1"/>
-          </p:cNvSpPr>
-          <p:nvPr>
-            <p:ph type="ftr" sz="quarter" idx="11"/>
-          </p:nvPr>
-        </p:nvSpPr>
-        <p:spPr/>
-        <p:txBody>
-          <a:bodyPr/>
-          <a:lstStyle/>
-          <a:p>
-            <a:r>
-              <a:rPr lang="en-US"/>
-              <a:t>(J. Paul Liu, 2026. Generative AI For Science. Leanpub)</a:t>
-            </a:r>
-          </a:p>
-        </p:txBody>
-      </p:sp>
-      <p:sp>
-        <p:nvSpPr>
-          <p:cNvPr id="9" name="Slide Number Placeholder 8">
-            <a:extLst>
-              <a:ext uri="{FF2B5EF4-FFF2-40B4-BE49-F238E27FC236}">
-                <a16:creationId xmlns:a16="http://schemas.microsoft.com/office/drawing/2014/main" id="{70B4B607-F15D-6E25-4B26-1A6F40D47E78}"/>
-              </a:ext>
-            </a:extLst>
-          </p:cNvPr>
-          <p:cNvSpPr>
-            <a:spLocks noGrp="1"/>
-          </p:cNvSpPr>
-          <p:nvPr>
-            <p:ph type="sldNum" sz="quarter" idx="12"/>
-          </p:nvPr>
-        </p:nvSpPr>
-        <p:spPr/>
-        <p:txBody>
-          <a:bodyPr/>
-          <a:lstStyle/>
-          <a:p>
-            <a:fld id="{DA047E1F-69D3-BB40-9784-148468AC28D7}" type="slidenum">
-              <a:rPr lang="en-US" smtClean="0"/>
-              <a:t>‹#›</a:t>
-            </a:fld>
-            <a:endParaRPr lang="en-US"/>
-          </a:p>
-        </p:txBody>
-      </p:sp>
-    </p:spTree>
-    <p:extLst>
-      <p:ext uri="{BB962C8B-B14F-4D97-AF65-F5344CB8AC3E}">
-        <p14:creationId xmlns:p14="http://schemas.microsoft.com/office/powerpoint/2010/main" val="796871126"/>
-      </p:ext>
-    </p:extLst>
-  </p:cSld>
-  <p:clrMapOvr>
-    <a:masterClrMapping/>
-  </p:clrMapOvr>
-</p:sldLayout>
-</file>
-
-<file path=ppt/slideLayouts/slideLayout6.xml><?xml version="1.0" encoding="utf-8"?>
-<p:sldLayout xmlns:a="http://schemas.openxmlformats.org/drawingml/2006/main" xmlns:r="http://schemas.openxmlformats.org/officeDocument/2006/relationships" xmlns:p="http://schemas.openxmlformats.org/presentationml/2006/main" type="titleOnly" preserve="1">
-  <p:cSld name="Title Only">
-    <p:spTree>
-      <p:nvGrpSpPr>
-        <p:cNvPr id="1" name=""/>
-        <p:cNvGrpSpPr/>
-        <p:nvPr/>
-      </p:nvGrpSpPr>
-      <p:grpSpPr>
-        <a:xfrm>
-          <a:off x="0" y="0"/>
-          <a:ext cx="0" cy="0"/>
-          <a:chOff x="0" y="0"/>
-          <a:chExt cx="0" cy="0"/>
-        </a:xfrm>
-      </p:grpSpPr>
-      <p:sp>
-        <p:nvSpPr>
-          <p:cNvPr id="2" name="Title 1">
-            <a:extLst>
-              <a:ext uri="{FF2B5EF4-FFF2-40B4-BE49-F238E27FC236}">
-                <a16:creationId xmlns:a16="http://schemas.microsoft.com/office/drawing/2014/main" id="{5777CABA-EFCF-0F94-1D03-75C43AC45C87}"/>
-              </a:ext>
-            </a:extLst>
-          </p:cNvPr>
-          <p:cNvSpPr>
-            <a:spLocks noGrp="1"/>
-          </p:cNvSpPr>
-          <p:nvPr>
-            <p:ph type="title"/>
-          </p:nvPr>
-        </p:nvSpPr>
-        <p:spPr/>
-        <p:txBody>
-          <a:bodyPr/>
-          <a:lstStyle/>
-          <a:p>
-            <a:r>
-              <a:rPr lang="en-US"/>
-              <a:t>Click to edit Master title style</a:t>
-            </a:r>
-          </a:p>
-        </p:txBody>
-      </p:sp>
-      <p:sp>
-        <p:nvSpPr>
-          <p:cNvPr id="3" name="Date Placeholder 2">
-            <a:extLst>
-              <a:ext uri="{FF2B5EF4-FFF2-40B4-BE49-F238E27FC236}">
-                <a16:creationId xmlns:a16="http://schemas.microsoft.com/office/drawing/2014/main" id="{EBAD2510-450D-3121-2758-80D8B5A8ED15}"/>
-              </a:ext>
-            </a:extLst>
-          </p:cNvPr>
-          <p:cNvSpPr>
-            <a:spLocks noGrp="1"/>
-          </p:cNvSpPr>
-          <p:nvPr>
-            <p:ph type="dt" sz="half" idx="10"/>
-          </p:nvPr>
-        </p:nvSpPr>
-        <p:spPr/>
-        <p:txBody>
-          <a:bodyPr/>
-          <a:lstStyle/>
-          <a:p>
-            <a:endParaRPr lang="en-US"/>
-          </a:p>
-        </p:txBody>
-      </p:sp>
-      <p:sp>
-        <p:nvSpPr>
-          <p:cNvPr id="4" name="Footer Placeholder 3">
-            <a:extLst>
-              <a:ext uri="{FF2B5EF4-FFF2-40B4-BE49-F238E27FC236}">
-                <a16:creationId xmlns:a16="http://schemas.microsoft.com/office/drawing/2014/main" id="{429D611F-62CB-2CCB-9A58-6958CBC4A2FE}"/>
-              </a:ext>
-            </a:extLst>
-          </p:cNvPr>
-          <p:cNvSpPr>
-            <a:spLocks noGrp="1"/>
-          </p:cNvSpPr>
-          <p:nvPr>
-            <p:ph type="ftr" sz="quarter" idx="11"/>
-          </p:nvPr>
-        </p:nvSpPr>
-        <p:spPr/>
-        <p:txBody>
-          <a:bodyPr/>
-          <a:lstStyle/>
-          <a:p>
-            <a:r>
-              <a:rPr lang="en-US"/>
-              <a:t>(J. Paul Liu, 2026. Generative AI For Science. Leanpub)</a:t>
-            </a:r>
-          </a:p>
-        </p:txBody>
-      </p:sp>
-      <p:sp>
-        <p:nvSpPr>
-          <p:cNvPr id="5" name="Slide Number Placeholder 4">
-            <a:extLst>
-              <a:ext uri="{FF2B5EF4-FFF2-40B4-BE49-F238E27FC236}">
-                <a16:creationId xmlns:a16="http://schemas.microsoft.com/office/drawing/2014/main" id="{FCEBBE44-F55D-188F-F6D5-8912A95DD5EF}"/>
-              </a:ext>
-            </a:extLst>
-          </p:cNvPr>
-          <p:cNvSpPr>
-            <a:spLocks noGrp="1"/>
-          </p:cNvSpPr>
-          <p:nvPr>
-            <p:ph type="sldNum" sz="quarter" idx="12"/>
-          </p:nvPr>
-        </p:nvSpPr>
-        <p:spPr/>
-        <p:txBody>
-          <a:bodyPr/>
-          <a:lstStyle/>
-          <a:p>
-            <a:fld id="{DA047E1F-69D3-BB40-9784-148468AC28D7}" type="slidenum">
-              <a:rPr lang="en-US" smtClean="0"/>
-              <a:t>‹#›</a:t>
-            </a:fld>
-            <a:endParaRPr lang="en-US"/>
-          </a:p>
-        </p:txBody>
-      </p:sp>
-    </p:spTree>
-    <p:extLst>
-      <p:ext uri="{BB962C8B-B14F-4D97-AF65-F5344CB8AC3E}">
-        <p14:creationId xmlns:p14="http://schemas.microsoft.com/office/powerpoint/2010/main" val="588798632"/>
-      </p:ext>
-    </p:extLst>
-  </p:cSld>
-  <p:clrMapOvr>
-    <a:masterClrMapping/>
-  </p:clrMapOvr>
-</p:sldLayout>
-</file>
-
-<file path=ppt/slideLayouts/slideLayout7.xml><?xml version="1.0" encoding="utf-8"?>
-<p:sldLayout xmlns:a="http://schemas.openxmlformats.org/drawingml/2006/main" xmlns:r="http://schemas.openxmlformats.org/officeDocument/2006/relationships" xmlns:p="http://schemas.openxmlformats.org/presentationml/2006/main" type="blank" preserve="1">
-  <p:cSld name="Blank">
-    <p:spTree>
-      <p:nvGrpSpPr>
-        <p:cNvPr id="1" name=""/>
-        <p:cNvGrpSpPr/>
-        <p:nvPr/>
-      </p:nvGrpSpPr>
-      <p:grpSpPr>
-        <a:xfrm>
-          <a:off x="0" y="0"/>
-          <a:ext cx="0" cy="0"/>
-          <a:chOff x="0" y="0"/>
-          <a:chExt cx="0" cy="0"/>
-        </a:xfrm>
-      </p:grpSpPr>
-      <p:sp>
-        <p:nvSpPr>
-          <p:cNvPr id="2" name="Date Placeholder 1">
-            <a:extLst>
-              <a:ext uri="{FF2B5EF4-FFF2-40B4-BE49-F238E27FC236}">
-                <a16:creationId xmlns:a16="http://schemas.microsoft.com/office/drawing/2014/main" id="{3B057058-3273-2446-16A6-8896634BE464}"/>
-              </a:ext>
-            </a:extLst>
-          </p:cNvPr>
-          <p:cNvSpPr>
-            <a:spLocks noGrp="1"/>
-          </p:cNvSpPr>
-          <p:nvPr>
-            <p:ph type="dt" sz="half" idx="10"/>
-          </p:nvPr>
-        </p:nvSpPr>
-        <p:spPr/>
-        <p:txBody>
-          <a:bodyPr/>
-          <a:lstStyle/>
-          <a:p>
-            <a:endParaRPr lang="en-US"/>
-          </a:p>
-        </p:txBody>
-      </p:sp>
-      <p:sp>
-        <p:nvSpPr>
-          <p:cNvPr id="3" name="Footer Placeholder 2">
-            <a:extLst>
-              <a:ext uri="{FF2B5EF4-FFF2-40B4-BE49-F238E27FC236}">
-                <a16:creationId xmlns:a16="http://schemas.microsoft.com/office/drawing/2014/main" id="{5D815376-11A8-D203-76C2-913602BE63CC}"/>
-              </a:ext>
-            </a:extLst>
-          </p:cNvPr>
-          <p:cNvSpPr>
-            <a:spLocks noGrp="1"/>
-          </p:cNvSpPr>
-          <p:nvPr>
-            <p:ph type="ftr" sz="quarter" idx="11"/>
-          </p:nvPr>
-        </p:nvSpPr>
-        <p:spPr/>
-        <p:txBody>
-          <a:bodyPr/>
-          <a:lstStyle/>
-          <a:p>
-            <a:r>
-              <a:rPr lang="en-US"/>
-              <a:t>(J. Paul Liu, 2026. Generative AI For Science. Leanpub)</a:t>
-            </a:r>
-          </a:p>
-        </p:txBody>
-      </p:sp>
-      <p:sp>
-        <p:nvSpPr>
-          <p:cNvPr id="4" name="Slide Number Placeholder 3">
-            <a:extLst>
-              <a:ext uri="{FF2B5EF4-FFF2-40B4-BE49-F238E27FC236}">
-                <a16:creationId xmlns:a16="http://schemas.microsoft.com/office/drawing/2014/main" id="{6B5C314E-2A6E-B6DD-DA56-DF0B3F7726D7}"/>
-              </a:ext>
-            </a:extLst>
-          </p:cNvPr>
-          <p:cNvSpPr>
-            <a:spLocks noGrp="1"/>
-          </p:cNvSpPr>
-          <p:nvPr>
-            <p:ph type="sldNum" sz="quarter" idx="12"/>
-          </p:nvPr>
-        </p:nvSpPr>
-        <p:spPr/>
-        <p:txBody>
-          <a:bodyPr/>
-          <a:lstStyle/>
-          <a:p>
-            <a:fld id="{DA047E1F-69D3-BB40-9784-148468AC28D7}" type="slidenum">
-              <a:rPr lang="en-US" smtClean="0"/>
-              <a:t>‹#›</a:t>
-            </a:fld>
-            <a:endParaRPr lang="en-US"/>
-          </a:p>
-        </p:txBody>
-      </p:sp>
-    </p:spTree>
-    <p:extLst>
-      <p:ext uri="{BB962C8B-B14F-4D97-AF65-F5344CB8AC3E}">
-        <p14:creationId xmlns:p14="http://schemas.microsoft.com/office/powerpoint/2010/main" val="2951735511"/>
-      </p:ext>
-    </p:extLst>
-  </p:cSld>
-  <p:clrMapOvr>
-    <a:masterClrMapping/>
-  </p:clrMapOvr>
-</p:sldLayout>
-</file>
-
-<file path=ppt/slideLayouts/slideLayout8.xml><?xml version="1.0" encoding="utf-8"?>
-<p:sldLayout xmlns:a="http://schemas.openxmlformats.org/drawingml/2006/main" xmlns:r="http://schemas.openxmlformats.org/officeDocument/2006/relationships" xmlns:p="http://schemas.openxmlformats.org/presentationml/2006/main" type="objTx" preserve="1">
-  <p:cSld name="Content with Caption">
-    <p:spTree>
-      <p:nvGrpSpPr>
-        <p:cNvPr id="1" name=""/>
-        <p:cNvGrpSpPr/>
-        <p:nvPr/>
-      </p:nvGrpSpPr>
-      <p:grpSpPr>
-        <a:xfrm>
-          <a:off x="0" y="0"/>
-          <a:ext cx="0" cy="0"/>
-          <a:chOff x="0" y="0"/>
-          <a:chExt cx="0" cy="0"/>
-        </a:xfrm>
-      </p:grpSpPr>
-      <p:sp>
-        <p:nvSpPr>
-          <p:cNvPr id="2" name="Title 1">
-            <a:extLst>
-              <a:ext uri="{FF2B5EF4-FFF2-40B4-BE49-F238E27FC236}">
-                <a16:creationId xmlns:a16="http://schemas.microsoft.com/office/drawing/2014/main" id="{5A9A7894-D028-EFE9-B9F3-C9C3C8D5DABA}"/>
-              </a:ext>
-            </a:extLst>
-          </p:cNvPr>
-          <p:cNvSpPr>
-            <a:spLocks noGrp="1"/>
-          </p:cNvSpPr>
-          <p:nvPr>
-            <p:ph type="title"/>
-          </p:nvPr>
-        </p:nvSpPr>
-        <p:spPr>
-          <a:xfrm>
-            <a:off x="630238" y="342900"/>
-            <a:ext cx="2949575" cy="1200150"/>
-          </a:xfrm>
-        </p:spPr>
-        <p:txBody>
-          <a:bodyPr anchor="b"/>
-          <a:lstStyle>
-            <a:lvl1pPr>
-              <a:defRPr sz="3200"/>
-            </a:lvl1pPr>
-          </a:lstStyle>
-          <a:p>
-            <a:r>
-              <a:rPr lang="en-US"/>
-              <a:t>Click to edit Master title style</a:t>
-            </a:r>
-          </a:p>
-        </p:txBody>
-      </p:sp>
-      <p:sp>
-        <p:nvSpPr>
-          <p:cNvPr id="3" name="Content Placeholder 2">
-            <a:extLst>
-              <a:ext uri="{FF2B5EF4-FFF2-40B4-BE49-F238E27FC236}">
-                <a16:creationId xmlns:a16="http://schemas.microsoft.com/office/drawing/2014/main" id="{CBB559C1-138C-2EFF-CCB0-6A5DAA7186C7}"/>
-              </a:ext>
-            </a:extLst>
-          </p:cNvPr>
-          <p:cNvSpPr>
-            <a:spLocks noGrp="1"/>
-          </p:cNvSpPr>
-          <p:nvPr>
-            <p:ph idx="1"/>
-          </p:nvPr>
-        </p:nvSpPr>
-        <p:spPr>
-          <a:xfrm>
-            <a:off x="3887788" y="741363"/>
-            <a:ext cx="4629150" cy="3654425"/>
-          </a:xfrm>
-        </p:spPr>
-        <p:txBody>
-          <a:bodyPr/>
-          <a:lstStyle>
-            <a:lvl1pPr>
-              <a:defRPr sz="3200"/>
-            </a:lvl1pPr>
-            <a:lvl2pPr>
-              <a:defRPr sz="2800"/>
-            </a:lvl2pPr>
-            <a:lvl3pPr>
-              <a:defRPr sz="2400"/>
-            </a:lvl3pPr>
-            <a:lvl4pPr>
-              <a:defRPr sz="2000"/>
-            </a:lvl4pPr>
-            <a:lvl5pPr>
-              <a:defRPr sz="2000"/>
-            </a:lvl5pPr>
-            <a:lvl6pPr>
-              <a:defRPr sz="2000"/>
-            </a:lvl6pPr>
-            <a:lvl7pPr>
-              <a:defRPr sz="2000"/>
-            </a:lvl7pPr>
-            <a:lvl8pPr>
-              <a:defRPr sz="2000"/>
-            </a:lvl8pPr>
-            <a:lvl9pPr>
-              <a:defRPr sz="2000"/>
-            </a:lvl9pPr>
-          </a:lstStyle>
-          <a:p>
-            <a:pPr lvl="0"/>
-            <a:r>
-              <a:rPr lang="en-US"/>
-              <a:t>Click to edit Master text styles</a:t>
-            </a:r>
-          </a:p>
-          <a:p>
-            <a:pPr lvl="1"/>
-            <a:r>
-              <a:rPr lang="en-US"/>
-              <a:t>Second level</a:t>
-            </a:r>
-          </a:p>
-          <a:p>
-            <a:pPr lvl="2"/>
-            <a:r>
-              <a:rPr lang="en-US"/>
-              <a:t>Third level</a:t>
-            </a:r>
-          </a:p>
-          <a:p>
-            <a:pPr lvl="3"/>
-            <a:r>
-              <a:rPr lang="en-US"/>
-              <a:t>Fourth level</a:t>
-            </a:r>
-          </a:p>
-          <a:p>
-            <a:pPr lvl="4"/>
-            <a:r>
-              <a:rPr lang="en-US"/>
-              <a:t>Fifth level</a:t>
-            </a:r>
-          </a:p>
-        </p:txBody>
-      </p:sp>
-      <p:sp>
-        <p:nvSpPr>
-          <p:cNvPr id="4" name="Text Placeholder 3">
-            <a:extLst>
-              <a:ext uri="{FF2B5EF4-FFF2-40B4-BE49-F238E27FC236}">
-                <a16:creationId xmlns:a16="http://schemas.microsoft.com/office/drawing/2014/main" id="{F66BD1C1-DE53-CDD0-C056-DD47BBA6E3B3}"/>
-              </a:ext>
-            </a:extLst>
-          </p:cNvPr>
-          <p:cNvSpPr>
-            <a:spLocks noGrp="1"/>
-          </p:cNvSpPr>
-          <p:nvPr>
-            <p:ph type="body" sz="half" idx="2"/>
-          </p:nvPr>
-        </p:nvSpPr>
-        <p:spPr>
-          <a:xfrm>
-            <a:off x="630238" y="1543050"/>
-            <a:ext cx="2949575" cy="2859088"/>
-          </a:xfrm>
-        </p:spPr>
-        <p:txBody>
-          <a:bodyPr/>
-          <a:lstStyle>
-            <a:lvl1pPr marL="0" indent="0">
-              <a:buNone/>
-              <a:defRPr sz="1600"/>
-            </a:lvl1pPr>
-            <a:lvl2pPr marL="457200" indent="0">
-              <a:buNone/>
-              <a:defRPr sz="1400"/>
-            </a:lvl2pPr>
-            <a:lvl3pPr marL="914400" indent="0">
-              <a:buNone/>
-              <a:defRPr sz="1200"/>
-            </a:lvl3pPr>
-            <a:lvl4pPr marL="1371600" indent="0">
-              <a:buNone/>
-              <a:defRPr sz="1000"/>
-            </a:lvl4pPr>
-            <a:lvl5pPr marL="1828800" indent="0">
-              <a:buNone/>
-              <a:defRPr sz="1000"/>
-            </a:lvl5pPr>
-            <a:lvl6pPr marL="2286000" indent="0">
-              <a:buNone/>
-              <a:defRPr sz="1000"/>
-            </a:lvl6pPr>
-            <a:lvl7pPr marL="2743200" indent="0">
-              <a:buNone/>
-              <a:defRPr sz="1000"/>
-            </a:lvl7pPr>
-            <a:lvl8pPr marL="3200400" indent="0">
-              <a:buNone/>
-              <a:defRPr sz="1000"/>
-            </a:lvl8pPr>
-            <a:lvl9pPr marL="3657600" indent="0">
-              <a:buNone/>
-              <a:defRPr sz="1000"/>
-            </a:lvl9pPr>
-          </a:lstStyle>
-          <a:p>
-            <a:pPr lvl="0"/>
-            <a:r>
-              <a:rPr lang="en-US"/>
-              <a:t>Click to edit Master text styles</a:t>
-            </a:r>
-          </a:p>
-        </p:txBody>
-      </p:sp>
-      <p:sp>
-        <p:nvSpPr>
-          <p:cNvPr id="5" name="Date Placeholder 4">
-            <a:extLst>
-              <a:ext uri="{FF2B5EF4-FFF2-40B4-BE49-F238E27FC236}">
-                <a16:creationId xmlns:a16="http://schemas.microsoft.com/office/drawing/2014/main" id="{54D76F51-5E41-551A-0A64-324F0EB9F1E3}"/>
-              </a:ext>
-            </a:extLst>
-          </p:cNvPr>
-          <p:cNvSpPr>
-            <a:spLocks noGrp="1"/>
-          </p:cNvSpPr>
-          <p:nvPr>
-            <p:ph type="dt" sz="half" idx="10"/>
-          </p:nvPr>
-        </p:nvSpPr>
-        <p:spPr/>
-        <p:txBody>
-          <a:bodyPr/>
-          <a:lstStyle/>
-          <a:p>
-            <a:endParaRPr lang="en-US"/>
-          </a:p>
-        </p:txBody>
-      </p:sp>
-      <p:sp>
-        <p:nvSpPr>
-          <p:cNvPr id="6" name="Footer Placeholder 5">
-            <a:extLst>
-              <a:ext uri="{FF2B5EF4-FFF2-40B4-BE49-F238E27FC236}">
-                <a16:creationId xmlns:a16="http://schemas.microsoft.com/office/drawing/2014/main" id="{DC742C67-3F86-D430-A3E7-0B2407C19C6B}"/>
-              </a:ext>
-            </a:extLst>
-          </p:cNvPr>
-          <p:cNvSpPr>
-            <a:spLocks noGrp="1"/>
-          </p:cNvSpPr>
-          <p:nvPr>
-            <p:ph type="ftr" sz="quarter" idx="11"/>
-          </p:nvPr>
-        </p:nvSpPr>
-        <p:spPr/>
-        <p:txBody>
-          <a:bodyPr/>
-          <a:lstStyle/>
-          <a:p>
-            <a:r>
-              <a:rPr lang="en-US"/>
-              <a:t>(J. Paul Liu, 2026. Generative AI For Science. Leanpub)</a:t>
-            </a:r>
-          </a:p>
-        </p:txBody>
-      </p:sp>
-      <p:sp>
-        <p:nvSpPr>
-          <p:cNvPr id="7" name="Slide Number Placeholder 6">
-            <a:extLst>
-              <a:ext uri="{FF2B5EF4-FFF2-40B4-BE49-F238E27FC236}">
-                <a16:creationId xmlns:a16="http://schemas.microsoft.com/office/drawing/2014/main" id="{D2833DC6-A7B9-575A-722C-0BB64430FD1B}"/>
-              </a:ext>
-            </a:extLst>
-          </p:cNvPr>
-          <p:cNvSpPr>
-            <a:spLocks noGrp="1"/>
-          </p:cNvSpPr>
-          <p:nvPr>
-            <p:ph type="sldNum" sz="quarter" idx="12"/>
-          </p:nvPr>
-        </p:nvSpPr>
-        <p:spPr/>
-        <p:txBody>
-          <a:bodyPr/>
-          <a:lstStyle/>
-          <a:p>
-            <a:fld id="{DA047E1F-69D3-BB40-9784-148468AC28D7}" type="slidenum">
-              <a:rPr lang="en-US" smtClean="0"/>
-              <a:t>‹#›</a:t>
-            </a:fld>
-            <a:endParaRPr lang="en-US"/>
-          </a:p>
-        </p:txBody>
-      </p:sp>
-    </p:spTree>
-    <p:extLst>
-      <p:ext uri="{BB962C8B-B14F-4D97-AF65-F5344CB8AC3E}">
-        <p14:creationId xmlns:p14="http://schemas.microsoft.com/office/powerpoint/2010/main" val="4047887912"/>
-      </p:ext>
-    </p:extLst>
-  </p:cSld>
-  <p:clrMapOvr>
-    <a:masterClrMapping/>
-  </p:clrMapOvr>
-</p:sldLayout>
-</file>
-
-<file path=ppt/slideLayouts/slideLayout9.xml><?xml version="1.0" encoding="utf-8"?>
-<p:sldLayout xmlns:a="http://schemas.openxmlformats.org/drawingml/2006/main" xmlns:r="http://schemas.openxmlformats.org/officeDocument/2006/relationships" xmlns:p="http://schemas.openxmlformats.org/presentationml/2006/main" type="picTx" preserve="1">
-  <p:cSld name="Picture with Caption">
-    <p:spTree>
-      <p:nvGrpSpPr>
-        <p:cNvPr id="1" name=""/>
-        <p:cNvGrpSpPr/>
-        <p:nvPr/>
-      </p:nvGrpSpPr>
-      <p:grpSpPr>
-        <a:xfrm>
-          <a:off x="0" y="0"/>
-          <a:ext cx="0" cy="0"/>
-          <a:chOff x="0" y="0"/>
-          <a:chExt cx="0" cy="0"/>
-        </a:xfrm>
-      </p:grpSpPr>
-      <p:sp>
-        <p:nvSpPr>
-          <p:cNvPr id="2" name="Title 1">
-            <a:extLst>
-              <a:ext uri="{FF2B5EF4-FFF2-40B4-BE49-F238E27FC236}">
-                <a16:creationId xmlns:a16="http://schemas.microsoft.com/office/drawing/2014/main" id="{BD64D012-F779-F6B2-DE1A-85B7AD26A457}"/>
-              </a:ext>
-            </a:extLst>
-          </p:cNvPr>
-          <p:cNvSpPr>
-            <a:spLocks noGrp="1"/>
-          </p:cNvSpPr>
-          <p:nvPr>
-            <p:ph type="title"/>
-          </p:nvPr>
-        </p:nvSpPr>
-        <p:spPr>
-          <a:xfrm>
-            <a:off x="630238" y="342900"/>
-            <a:ext cx="2949575" cy="1200150"/>
-          </a:xfrm>
-        </p:spPr>
-        <p:txBody>
-          <a:bodyPr anchor="b"/>
-          <a:lstStyle>
-            <a:lvl1pPr>
-              <a:defRPr sz="3200"/>
-            </a:lvl1pPr>
-          </a:lstStyle>
-          <a:p>
-            <a:r>
-              <a:rPr lang="en-US"/>
-              <a:t>Click to edit Master title style</a:t>
-            </a:r>
-          </a:p>
-        </p:txBody>
-      </p:sp>
-      <p:sp>
-        <p:nvSpPr>
-          <p:cNvPr id="3" name="Picture Placeholder 2">
-            <a:extLst>
-              <a:ext uri="{FF2B5EF4-FFF2-40B4-BE49-F238E27FC236}">
-                <a16:creationId xmlns:a16="http://schemas.microsoft.com/office/drawing/2014/main" id="{2BA41D71-A414-D75A-AFA8-D26042C86793}"/>
-              </a:ext>
-            </a:extLst>
-          </p:cNvPr>
-          <p:cNvSpPr>
-            <a:spLocks noGrp="1"/>
-          </p:cNvSpPr>
-          <p:nvPr>
-            <p:ph type="pic" idx="1"/>
-          </p:nvPr>
-        </p:nvSpPr>
-        <p:spPr>
-          <a:xfrm>
-            <a:off x="3887788" y="741363"/>
-            <a:ext cx="4629150" cy="3654425"/>
-          </a:xfrm>
-        </p:spPr>
-        <p:txBody>
-          <a:bodyPr/>
-          <a:lstStyle>
-            <a:lvl1pPr marL="0" indent="0">
-              <a:buNone/>
-              <a:defRPr sz="3200"/>
-            </a:lvl1pPr>
-            <a:lvl2pPr marL="457200" indent="0">
-              <a:buNone/>
-              <a:defRPr sz="2800"/>
-            </a:lvl2pPr>
-            <a:lvl3pPr marL="914400" indent="0">
-              <a:buNone/>
-              <a:defRPr sz="2400"/>
-            </a:lvl3pPr>
-            <a:lvl4pPr marL="1371600" indent="0">
-              <a:buNone/>
-              <a:defRPr sz="2000"/>
-            </a:lvl4pPr>
-            <a:lvl5pPr marL="1828800" indent="0">
-              <a:buNone/>
-              <a:defRPr sz="2000"/>
-            </a:lvl5pPr>
-            <a:lvl6pPr marL="2286000" indent="0">
-              <a:buNone/>
-              <a:defRPr sz="2000"/>
-            </a:lvl6pPr>
-            <a:lvl7pPr marL="2743200" indent="0">
-              <a:buNone/>
-              <a:defRPr sz="2000"/>
-            </a:lvl7pPr>
-            <a:lvl8pPr marL="3200400" indent="0">
-              <a:buNone/>
-              <a:defRPr sz="2000"/>
-            </a:lvl8pPr>
-            <a:lvl9pPr marL="3657600" indent="0">
-              <a:buNone/>
-              <a:defRPr sz="2000"/>
-            </a:lvl9pPr>
-          </a:lstStyle>
-          <a:p>
-            <a:endParaRPr lang="en-US"/>
-          </a:p>
-        </p:txBody>
-      </p:sp>
-      <p:sp>
-        <p:nvSpPr>
-          <p:cNvPr id="4" name="Text Placeholder 3">
-            <a:extLst>
-              <a:ext uri="{FF2B5EF4-FFF2-40B4-BE49-F238E27FC236}">
-                <a16:creationId xmlns:a16="http://schemas.microsoft.com/office/drawing/2014/main" id="{F2635F9E-215C-7957-1D27-8973FD64E8B9}"/>
-              </a:ext>
-            </a:extLst>
-          </p:cNvPr>
-          <p:cNvSpPr>
-            <a:spLocks noGrp="1"/>
-          </p:cNvSpPr>
-          <p:nvPr>
-            <p:ph type="body" sz="half" idx="2"/>
-          </p:nvPr>
-        </p:nvSpPr>
-        <p:spPr>
-          <a:xfrm>
-            <a:off x="630238" y="1543050"/>
-            <a:ext cx="2949575" cy="2859088"/>
-          </a:xfrm>
-        </p:spPr>
-        <p:txBody>
-          <a:bodyPr/>
-          <a:lstStyle>
-            <a:lvl1pPr marL="0" indent="0">
-              <a:buNone/>
-              <a:defRPr sz="1600"/>
-            </a:lvl1pPr>
-            <a:lvl2pPr marL="457200" indent="0">
-              <a:buNone/>
-              <a:defRPr sz="1400"/>
-            </a:lvl2pPr>
-            <a:lvl3pPr marL="914400" indent="0">
-              <a:buNone/>
-              <a:defRPr sz="1200"/>
-            </a:lvl3pPr>
-            <a:lvl4pPr marL="1371600" indent="0">
-              <a:buNone/>
-              <a:defRPr sz="1000"/>
-            </a:lvl4pPr>
-            <a:lvl5pPr marL="1828800" indent="0">
-              <a:buNone/>
-              <a:defRPr sz="1000"/>
-            </a:lvl5pPr>
-            <a:lvl6pPr marL="2286000" indent="0">
-              <a:buNone/>
-              <a:defRPr sz="1000"/>
-            </a:lvl6pPr>
-            <a:lvl7pPr marL="2743200" indent="0">
-              <a:buNone/>
-              <a:defRPr sz="1000"/>
-            </a:lvl7pPr>
-            <a:lvl8pPr marL="3200400" indent="0">
-              <a:buNone/>
-              <a:defRPr sz="1000"/>
-            </a:lvl8pPr>
-            <a:lvl9pPr marL="3657600" indent="0">
-              <a:buNone/>
-              <a:defRPr sz="1000"/>
-            </a:lvl9pPr>
-          </a:lstStyle>
-          <a:p>
-            <a:pPr lvl="0"/>
-            <a:r>
-              <a:rPr lang="en-US"/>
-              <a:t>Click to edit Master text styles</a:t>
-            </a:r>
-          </a:p>
-        </p:txBody>
-      </p:sp>
-      <p:sp>
-        <p:nvSpPr>
-          <p:cNvPr id="5" name="Date Placeholder 4">
-            <a:extLst>
-              <a:ext uri="{FF2B5EF4-FFF2-40B4-BE49-F238E27FC236}">
-                <a16:creationId xmlns:a16="http://schemas.microsoft.com/office/drawing/2014/main" id="{5DAC4103-7F9F-23A3-67C2-4DD37277A85C}"/>
-              </a:ext>
-            </a:extLst>
-          </p:cNvPr>
-          <p:cNvSpPr>
-            <a:spLocks noGrp="1"/>
-          </p:cNvSpPr>
-          <p:nvPr>
-            <p:ph type="dt" sz="half" idx="10"/>
-          </p:nvPr>
-        </p:nvSpPr>
-        <p:spPr/>
-        <p:txBody>
-          <a:bodyPr/>
-          <a:lstStyle/>
-          <a:p>
-            <a:endParaRPr lang="en-US"/>
-          </a:p>
-        </p:txBody>
-      </p:sp>
-      <p:sp>
-        <p:nvSpPr>
-          <p:cNvPr id="6" name="Footer Placeholder 5">
-            <a:extLst>
-              <a:ext uri="{FF2B5EF4-FFF2-40B4-BE49-F238E27FC236}">
-                <a16:creationId xmlns:a16="http://schemas.microsoft.com/office/drawing/2014/main" id="{D1C55641-486E-3B35-4DF4-213F5CBD90DC}"/>
-              </a:ext>
-            </a:extLst>
-          </p:cNvPr>
-          <p:cNvSpPr>
-            <a:spLocks noGrp="1"/>
-          </p:cNvSpPr>
-          <p:nvPr>
-            <p:ph type="ftr" sz="quarter" idx="11"/>
-          </p:nvPr>
-        </p:nvSpPr>
-        <p:spPr/>
-        <p:txBody>
-          <a:bodyPr/>
-          <a:lstStyle/>
-          <a:p>
-            <a:r>
-              <a:rPr lang="en-US"/>
-              <a:t>(J. Paul Liu, 2026. Generative AI For Science. Leanpub)</a:t>
-            </a:r>
-          </a:p>
-        </p:txBody>
-      </p:sp>
-      <p:sp>
-        <p:nvSpPr>
-          <p:cNvPr id="7" name="Slide Number Placeholder 6">
-            <a:extLst>
-              <a:ext uri="{FF2B5EF4-FFF2-40B4-BE49-F238E27FC236}">
-                <a16:creationId xmlns:a16="http://schemas.microsoft.com/office/drawing/2014/main" id="{BD39A4DE-20DD-7F04-0C4A-0F6FACB4B9FA}"/>
-              </a:ext>
-            </a:extLst>
-          </p:cNvPr>
-          <p:cNvSpPr>
-            <a:spLocks noGrp="1"/>
-          </p:cNvSpPr>
-          <p:nvPr>
-            <p:ph type="sldNum" sz="quarter" idx="12"/>
-          </p:nvPr>
-        </p:nvSpPr>
-        <p:spPr/>
-        <p:txBody>
-          <a:bodyPr/>
-          <a:lstStyle/>
-          <a:p>
-            <a:fld id="{DA047E1F-69D3-BB40-9784-148468AC28D7}" type="slidenum">
-              <a:rPr lang="en-US" smtClean="0"/>
-              <a:t>‹#›</a:t>
-            </a:fld>
-            <a:endParaRPr lang="en-US"/>
-          </a:p>
-        </p:txBody>
-      </p:sp>
-    </p:spTree>
-    <p:extLst>
-      <p:ext uri="{BB962C8B-B14F-4D97-AF65-F5344CB8AC3E}">
-        <p14:creationId xmlns:p14="http://schemas.microsoft.com/office/powerpoint/2010/main" val="2779129327"/>
-      </p:ext>
-    </p:extLst>
   </p:cSld>
   <p:clrMapOvr>
     <a:masterClrMapping/>
@@ -4184,7 +1456,7 @@
 </file>
 
 <file path=ppt/slideMasters/slideMaster1.xml><?xml version="1.0" encoding="utf-8"?>
-<p:sldMaster xmlns:a="http://schemas.openxmlformats.org/drawingml/2006/main" xmlns:r="http://schemas.openxmlformats.org/officeDocument/2006/relationships" xmlns:p="http://schemas.openxmlformats.org/presentationml/2006/main" preserve="1">
+<p:sldMaster xmlns:a="http://schemas.openxmlformats.org/drawingml/2006/main" xmlns:r="http://schemas.openxmlformats.org/officeDocument/2006/relationships" xmlns:p="http://schemas.openxmlformats.org/presentationml/2006/main">
   <p:cSld>
     <p:bg>
       <p:bgRef idx="1001">
@@ -4205,276 +1477,16 @@
           <a:chExt cx="0" cy="0"/>
         </a:xfrm>
       </p:grpSpPr>
-      <p:sp>
-        <p:nvSpPr>
-          <p:cNvPr id="2" name="Title Placeholder 1">
-            <a:extLst>
-              <a:ext uri="{FF2B5EF4-FFF2-40B4-BE49-F238E27FC236}">
-                <a16:creationId xmlns:a16="http://schemas.microsoft.com/office/drawing/2014/main" id="{5299DA85-1407-5E6C-BE3D-D701C6A2E19A}"/>
-              </a:ext>
-            </a:extLst>
-          </p:cNvPr>
-          <p:cNvSpPr>
-            <a:spLocks noGrp="1"/>
-          </p:cNvSpPr>
-          <p:nvPr>
-            <p:ph type="title"/>
-          </p:nvPr>
-        </p:nvSpPr>
-        <p:spPr>
-          <a:xfrm>
-            <a:off x="628650" y="274638"/>
-            <a:ext cx="7886700" cy="993775"/>
-          </a:xfrm>
-          <a:prstGeom prst="rect">
-            <a:avLst/>
-          </a:prstGeom>
-        </p:spPr>
-        <p:txBody>
-          <a:bodyPr vert="horz" lIns="91440" tIns="45720" rIns="91440" bIns="45720" rtlCol="0" anchor="ctr">
-            <a:normAutofit/>
-          </a:bodyPr>
-          <a:lstStyle/>
-          <a:p>
-            <a:r>
-              <a:rPr lang="en-US"/>
-              <a:t>Click to edit Master title style</a:t>
-            </a:r>
-          </a:p>
-        </p:txBody>
-      </p:sp>
-      <p:sp>
-        <p:nvSpPr>
-          <p:cNvPr id="3" name="Text Placeholder 2">
-            <a:extLst>
-              <a:ext uri="{FF2B5EF4-FFF2-40B4-BE49-F238E27FC236}">
-                <a16:creationId xmlns:a16="http://schemas.microsoft.com/office/drawing/2014/main" id="{F1E83CE4-BE17-AFC1-2C92-5DC44E4BF592}"/>
-              </a:ext>
-            </a:extLst>
-          </p:cNvPr>
-          <p:cNvSpPr>
-            <a:spLocks noGrp="1"/>
-          </p:cNvSpPr>
-          <p:nvPr>
-            <p:ph type="body" idx="1"/>
-          </p:nvPr>
-        </p:nvSpPr>
-        <p:spPr>
-          <a:xfrm>
-            <a:off x="628650" y="1370013"/>
-            <a:ext cx="7886700" cy="3262312"/>
-          </a:xfrm>
-          <a:prstGeom prst="rect">
-            <a:avLst/>
-          </a:prstGeom>
-        </p:spPr>
-        <p:txBody>
-          <a:bodyPr vert="horz" lIns="91440" tIns="45720" rIns="91440" bIns="45720" rtlCol="0">
-            <a:normAutofit/>
-          </a:bodyPr>
-          <a:lstStyle/>
-          <a:p>
-            <a:pPr lvl="0"/>
-            <a:r>
-              <a:rPr lang="en-US"/>
-              <a:t>Click to edit Master text styles</a:t>
-            </a:r>
-          </a:p>
-          <a:p>
-            <a:pPr lvl="1"/>
-            <a:r>
-              <a:rPr lang="en-US"/>
-              <a:t>Second level</a:t>
-            </a:r>
-          </a:p>
-          <a:p>
-            <a:pPr lvl="2"/>
-            <a:r>
-              <a:rPr lang="en-US"/>
-              <a:t>Third level</a:t>
-            </a:r>
-          </a:p>
-          <a:p>
-            <a:pPr lvl="3"/>
-            <a:r>
-              <a:rPr lang="en-US"/>
-              <a:t>Fourth level</a:t>
-            </a:r>
-          </a:p>
-          <a:p>
-            <a:pPr lvl="4"/>
-            <a:r>
-              <a:rPr lang="en-US"/>
-              <a:t>Fifth level</a:t>
-            </a:r>
-          </a:p>
-        </p:txBody>
-      </p:sp>
-      <p:sp>
-        <p:nvSpPr>
-          <p:cNvPr id="4" name="Date Placeholder 3">
-            <a:extLst>
-              <a:ext uri="{FF2B5EF4-FFF2-40B4-BE49-F238E27FC236}">
-                <a16:creationId xmlns:a16="http://schemas.microsoft.com/office/drawing/2014/main" id="{9407E266-AABB-8710-5E76-F3F048079CA7}"/>
-              </a:ext>
-            </a:extLst>
-          </p:cNvPr>
-          <p:cNvSpPr>
-            <a:spLocks noGrp="1"/>
-          </p:cNvSpPr>
-          <p:nvPr>
-            <p:ph type="dt" sz="half" idx="2"/>
-          </p:nvPr>
-        </p:nvSpPr>
-        <p:spPr>
-          <a:xfrm>
-            <a:off x="628650" y="4767263"/>
-            <a:ext cx="2057400" cy="274637"/>
-          </a:xfrm>
-          <a:prstGeom prst="rect">
-            <a:avLst/>
-          </a:prstGeom>
-        </p:spPr>
-        <p:txBody>
-          <a:bodyPr vert="horz" lIns="91440" tIns="45720" rIns="91440" bIns="45720" rtlCol="0" anchor="ctr"/>
-          <a:lstStyle>
-            <a:lvl1pPr algn="l">
-              <a:defRPr sz="1200">
-                <a:solidFill>
-                  <a:schemeClr val="tx1">
-                    <a:tint val="82000"/>
-                  </a:schemeClr>
-                </a:solidFill>
-              </a:defRPr>
-            </a:lvl1pPr>
-          </a:lstStyle>
-          <a:p>
-            <a:endParaRPr lang="en-US"/>
-          </a:p>
-        </p:txBody>
-      </p:sp>
-      <p:sp>
-        <p:nvSpPr>
-          <p:cNvPr id="5" name="Footer Placeholder 4">
-            <a:extLst>
-              <a:ext uri="{FF2B5EF4-FFF2-40B4-BE49-F238E27FC236}">
-                <a16:creationId xmlns:a16="http://schemas.microsoft.com/office/drawing/2014/main" id="{ACC9217F-9025-39E2-C48B-C09C3EC7D15B}"/>
-              </a:ext>
-            </a:extLst>
-          </p:cNvPr>
-          <p:cNvSpPr>
-            <a:spLocks noGrp="1"/>
-          </p:cNvSpPr>
-          <p:nvPr>
-            <p:ph type="ftr" sz="quarter" idx="3"/>
-          </p:nvPr>
-        </p:nvSpPr>
-        <p:spPr>
-          <a:xfrm>
-            <a:off x="3028950" y="4767263"/>
-            <a:ext cx="3086100" cy="274637"/>
-          </a:xfrm>
-          <a:prstGeom prst="rect">
-            <a:avLst/>
-          </a:prstGeom>
-        </p:spPr>
-        <p:txBody>
-          <a:bodyPr vert="horz" lIns="91440" tIns="45720" rIns="91440" bIns="45720" rtlCol="0" anchor="ctr"/>
-          <a:lstStyle>
-            <a:lvl1pPr algn="ctr">
-              <a:defRPr sz="1200">
-                <a:solidFill>
-                  <a:schemeClr val="tx1">
-                    <a:tint val="82000"/>
-                  </a:schemeClr>
-                </a:solidFill>
-              </a:defRPr>
-            </a:lvl1pPr>
-          </a:lstStyle>
-          <a:p>
-            <a:r>
-              <a:rPr lang="en-US"/>
-              <a:t>(J. Paul Liu, 2026. Generative AI For Science. Leanpub)</a:t>
-            </a:r>
-          </a:p>
-        </p:txBody>
-      </p:sp>
-      <p:sp>
-        <p:nvSpPr>
-          <p:cNvPr id="6" name="Slide Number Placeholder 5">
-            <a:extLst>
-              <a:ext uri="{FF2B5EF4-FFF2-40B4-BE49-F238E27FC236}">
-                <a16:creationId xmlns:a16="http://schemas.microsoft.com/office/drawing/2014/main" id="{880F5E24-FFB6-F905-0AC1-A90EB6581EC4}"/>
-              </a:ext>
-            </a:extLst>
-          </p:cNvPr>
-          <p:cNvSpPr>
-            <a:spLocks noGrp="1"/>
-          </p:cNvSpPr>
-          <p:nvPr>
-            <p:ph type="sldNum" sz="quarter" idx="4"/>
-          </p:nvPr>
-        </p:nvSpPr>
-        <p:spPr>
-          <a:xfrm>
-            <a:off x="6457950" y="4767263"/>
-            <a:ext cx="2057400" cy="274637"/>
-          </a:xfrm>
-          <a:prstGeom prst="rect">
-            <a:avLst/>
-          </a:prstGeom>
-        </p:spPr>
-        <p:txBody>
-          <a:bodyPr vert="horz" lIns="91440" tIns="45720" rIns="91440" bIns="45720" rtlCol="0" anchor="ctr"/>
-          <a:lstStyle>
-            <a:lvl1pPr algn="r">
-              <a:defRPr sz="1200">
-                <a:solidFill>
-                  <a:schemeClr val="tx1">
-                    <a:tint val="82000"/>
-                  </a:schemeClr>
-                </a:solidFill>
-              </a:defRPr>
-            </a:lvl1pPr>
-          </a:lstStyle>
-          <a:p>
-            <a:fld id="{DA047E1F-69D3-BB40-9784-148468AC28D7}" type="slidenum">
-              <a:rPr lang="en-US" smtClean="0"/>
-              <a:t>‹#›</a:t>
-            </a:fld>
-            <a:endParaRPr lang="en-US"/>
-          </a:p>
-        </p:txBody>
-      </p:sp>
     </p:spTree>
-    <p:extLst>
-      <p:ext uri="{BB962C8B-B14F-4D97-AF65-F5344CB8AC3E}">
-        <p14:creationId xmlns:p14="http://schemas.microsoft.com/office/powerpoint/2010/main" val="841872754"/>
-      </p:ext>
-    </p:extLst>
   </p:cSld>
   <p:clrMap bg1="lt1" tx1="dk1" bg2="lt2" tx2="dk2" accent1="accent1" accent2="accent2" accent3="accent3" accent4="accent4" accent5="accent5" accent6="accent6" hlink="hlink" folHlink="folHlink"/>
   <p:sldLayoutIdLst>
-    <p:sldLayoutId id="2147483651" r:id="rId1"/>
-    <p:sldLayoutId id="2147483652" r:id="rId2"/>
-    <p:sldLayoutId id="2147483653" r:id="rId3"/>
-    <p:sldLayoutId id="2147483654" r:id="rId4"/>
-    <p:sldLayoutId id="2147483655" r:id="rId5"/>
-    <p:sldLayoutId id="2147483656" r:id="rId6"/>
-    <p:sldLayoutId id="2147483657" r:id="rId7"/>
-    <p:sldLayoutId id="2147483658" r:id="rId8"/>
-    <p:sldLayoutId id="2147483659" r:id="rId9"/>
-    <p:sldLayoutId id="2147483660" r:id="rId10"/>
-    <p:sldLayoutId id="2147483661" r:id="rId11"/>
-    <p:sldLayoutId id="2147483662" r:id="rId12"/>
+    <p:sldLayoutId id="2147483649" r:id="rId1"/>
   </p:sldLayoutIdLst>
   <p:hf sldNum="0" hdr="0" dt="0"/>
   <p:txStyles>
     <p:titleStyle>
-      <a:lvl1pPr algn="l" defTabSz="914400" rtl="0" eaLnBrk="1" latinLnBrk="0" hangingPunct="1">
-        <a:lnSpc>
-          <a:spcPct val="90000"/>
-        </a:lnSpc>
+      <a:lvl1pPr algn="ctr" defTabSz="914400" rtl="0" eaLnBrk="1" latinLnBrk="0" hangingPunct="1">
         <a:spcBef>
           <a:spcPct val="0"/>
         </a:spcBef>
@@ -4490,15 +1502,27 @@
       </a:lvl1pPr>
     </p:titleStyle>
     <p:bodyStyle>
-      <a:lvl1pPr marL="228600" indent="-228600" algn="l" defTabSz="914400" rtl="0" eaLnBrk="1" latinLnBrk="0" hangingPunct="1">
-        <a:lnSpc>
-          <a:spcPct val="90000"/>
-        </a:lnSpc>
+      <a:lvl1pPr marL="342900" indent="-342900" algn="l" defTabSz="914400" rtl="0" eaLnBrk="1" latinLnBrk="0" hangingPunct="1">
         <a:spcBef>
-          <a:spcPts val="1000"/>
+          <a:spcPct val="20000"/>
         </a:spcBef>
-        <a:buFont typeface="Arial" panose="020B0604020202020204" pitchFamily="34" charset="0"/>
+        <a:buFont typeface="Arial" pitchFamily="34" charset="0"/>
         <a:buChar char="•"/>
+        <a:defRPr sz="3200" kern="1200">
+          <a:solidFill>
+            <a:schemeClr val="tx1"/>
+          </a:solidFill>
+          <a:latin typeface="+mn-lt"/>
+          <a:ea typeface="+mn-ea"/>
+          <a:cs typeface="+mn-cs"/>
+        </a:defRPr>
+      </a:lvl1pPr>
+      <a:lvl2pPr marL="742950" indent="-285750" algn="l" defTabSz="914400" rtl="0" eaLnBrk="1" latinLnBrk="0" hangingPunct="1">
+        <a:spcBef>
+          <a:spcPct val="20000"/>
+        </a:spcBef>
+        <a:buFont typeface="Arial" pitchFamily="34" charset="0"/>
+        <a:buChar char="–"/>
         <a:defRPr sz="2800" kern="1200">
           <a:solidFill>
             <a:schemeClr val="tx1"/>
@@ -4507,15 +1531,12 @@
           <a:ea typeface="+mn-ea"/>
           <a:cs typeface="+mn-cs"/>
         </a:defRPr>
-      </a:lvl1pPr>
-      <a:lvl2pPr marL="685800" indent="-228600" algn="l" defTabSz="914400" rtl="0" eaLnBrk="1" latinLnBrk="0" hangingPunct="1">
-        <a:lnSpc>
-          <a:spcPct val="90000"/>
-        </a:lnSpc>
+      </a:lvl2pPr>
+      <a:lvl3pPr marL="1143000" indent="-228600" algn="l" defTabSz="914400" rtl="0" eaLnBrk="1" latinLnBrk="0" hangingPunct="1">
         <a:spcBef>
-          <a:spcPts val="500"/>
+          <a:spcPct val="20000"/>
         </a:spcBef>
-        <a:buFont typeface="Arial" panose="020B0604020202020204" pitchFamily="34" charset="0"/>
+        <a:buFont typeface="Arial" pitchFamily="34" charset="0"/>
         <a:buChar char="•"/>
         <a:defRPr sz="2400" kern="1200">
           <a:solidFill>
@@ -4525,15 +1546,42 @@
           <a:ea typeface="+mn-ea"/>
           <a:cs typeface="+mn-cs"/>
         </a:defRPr>
-      </a:lvl2pPr>
-      <a:lvl3pPr marL="1143000" indent="-228600" algn="l" defTabSz="914400" rtl="0" eaLnBrk="1" latinLnBrk="0" hangingPunct="1">
-        <a:lnSpc>
-          <a:spcPct val="90000"/>
-        </a:lnSpc>
+      </a:lvl3pPr>
+      <a:lvl4pPr marL="1600200" indent="-228600" algn="l" defTabSz="914400" rtl="0" eaLnBrk="1" latinLnBrk="0" hangingPunct="1">
         <a:spcBef>
-          <a:spcPts val="500"/>
+          <a:spcPct val="20000"/>
         </a:spcBef>
-        <a:buFont typeface="Arial" panose="020B0604020202020204" pitchFamily="34" charset="0"/>
+        <a:buFont typeface="Arial" pitchFamily="34" charset="0"/>
+        <a:buChar char="–"/>
+        <a:defRPr sz="2000" kern="1200">
+          <a:solidFill>
+            <a:schemeClr val="tx1"/>
+          </a:solidFill>
+          <a:latin typeface="+mn-lt"/>
+          <a:ea typeface="+mn-ea"/>
+          <a:cs typeface="+mn-cs"/>
+        </a:defRPr>
+      </a:lvl4pPr>
+      <a:lvl5pPr marL="2057400" indent="-228600" algn="l" defTabSz="914400" rtl="0" eaLnBrk="1" latinLnBrk="0" hangingPunct="1">
+        <a:spcBef>
+          <a:spcPct val="20000"/>
+        </a:spcBef>
+        <a:buFont typeface="Arial" pitchFamily="34" charset="0"/>
+        <a:buChar char="»"/>
+        <a:defRPr sz="2000" kern="1200">
+          <a:solidFill>
+            <a:schemeClr val="tx1"/>
+          </a:solidFill>
+          <a:latin typeface="+mn-lt"/>
+          <a:ea typeface="+mn-ea"/>
+          <a:cs typeface="+mn-cs"/>
+        </a:defRPr>
+      </a:lvl5pPr>
+      <a:lvl6pPr marL="2514600" indent="-228600" algn="l" defTabSz="914400" rtl="0" eaLnBrk="1" latinLnBrk="0" hangingPunct="1">
+        <a:spcBef>
+          <a:spcPct val="20000"/>
+        </a:spcBef>
+        <a:buFont typeface="Arial" pitchFamily="34" charset="0"/>
         <a:buChar char="•"/>
         <a:defRPr sz="2000" kern="1200">
           <a:solidFill>
@@ -4543,71 +1591,14 @@
           <a:ea typeface="+mn-ea"/>
           <a:cs typeface="+mn-cs"/>
         </a:defRPr>
-      </a:lvl3pPr>
-      <a:lvl4pPr marL="1600200" indent="-228600" algn="l" defTabSz="914400" rtl="0" eaLnBrk="1" latinLnBrk="0" hangingPunct="1">
-        <a:lnSpc>
-          <a:spcPct val="90000"/>
-        </a:lnSpc>
-        <a:spcBef>
-          <a:spcPts val="500"/>
-        </a:spcBef>
-        <a:buFont typeface="Arial" panose="020B0604020202020204" pitchFamily="34" charset="0"/>
-        <a:buChar char="•"/>
-        <a:defRPr sz="1800" kern="1200">
-          <a:solidFill>
-            <a:schemeClr val="tx1"/>
-          </a:solidFill>
-          <a:latin typeface="+mn-lt"/>
-          <a:ea typeface="+mn-ea"/>
-          <a:cs typeface="+mn-cs"/>
-        </a:defRPr>
-      </a:lvl4pPr>
-      <a:lvl5pPr marL="2057400" indent="-228600" algn="l" defTabSz="914400" rtl="0" eaLnBrk="1" latinLnBrk="0" hangingPunct="1">
-        <a:lnSpc>
-          <a:spcPct val="90000"/>
-        </a:lnSpc>
-        <a:spcBef>
-          <a:spcPts val="500"/>
-        </a:spcBef>
-        <a:buFont typeface="Arial" panose="020B0604020202020204" pitchFamily="34" charset="0"/>
-        <a:buChar char="•"/>
-        <a:defRPr sz="1800" kern="1200">
-          <a:solidFill>
-            <a:schemeClr val="tx1"/>
-          </a:solidFill>
-          <a:latin typeface="+mn-lt"/>
-          <a:ea typeface="+mn-ea"/>
-          <a:cs typeface="+mn-cs"/>
-        </a:defRPr>
-      </a:lvl5pPr>
-      <a:lvl6pPr marL="2514600" indent="-228600" algn="l" defTabSz="914400" rtl="0" eaLnBrk="1" latinLnBrk="0" hangingPunct="1">
-        <a:lnSpc>
-          <a:spcPct val="90000"/>
-        </a:lnSpc>
-        <a:spcBef>
-          <a:spcPts val="500"/>
-        </a:spcBef>
-        <a:buFont typeface="Arial" panose="020B0604020202020204" pitchFamily="34" charset="0"/>
-        <a:buChar char="•"/>
-        <a:defRPr sz="1800" kern="1200">
-          <a:solidFill>
-            <a:schemeClr val="tx1"/>
-          </a:solidFill>
-          <a:latin typeface="+mn-lt"/>
-          <a:ea typeface="+mn-ea"/>
-          <a:cs typeface="+mn-cs"/>
-        </a:defRPr>
       </a:lvl6pPr>
       <a:lvl7pPr marL="2971800" indent="-228600" algn="l" defTabSz="914400" rtl="0" eaLnBrk="1" latinLnBrk="0" hangingPunct="1">
-        <a:lnSpc>
-          <a:spcPct val="90000"/>
-        </a:lnSpc>
         <a:spcBef>
-          <a:spcPts val="500"/>
+          <a:spcPct val="20000"/>
         </a:spcBef>
-        <a:buFont typeface="Arial" panose="020B0604020202020204" pitchFamily="34" charset="0"/>
+        <a:buFont typeface="Arial" pitchFamily="34" charset="0"/>
         <a:buChar char="•"/>
-        <a:defRPr sz="1800" kern="1200">
+        <a:defRPr sz="2000" kern="1200">
           <a:solidFill>
             <a:schemeClr val="tx1"/>
           </a:solidFill>
@@ -4617,15 +1608,12 @@
         </a:defRPr>
       </a:lvl7pPr>
       <a:lvl8pPr marL="3429000" indent="-228600" algn="l" defTabSz="914400" rtl="0" eaLnBrk="1" latinLnBrk="0" hangingPunct="1">
-        <a:lnSpc>
-          <a:spcPct val="90000"/>
-        </a:lnSpc>
         <a:spcBef>
-          <a:spcPts val="500"/>
+          <a:spcPct val="20000"/>
         </a:spcBef>
-        <a:buFont typeface="Arial" panose="020B0604020202020204" pitchFamily="34" charset="0"/>
+        <a:buFont typeface="Arial" pitchFamily="34" charset="0"/>
         <a:buChar char="•"/>
-        <a:defRPr sz="1800" kern="1200">
+        <a:defRPr sz="2000" kern="1200">
           <a:solidFill>
             <a:schemeClr val="tx1"/>
           </a:solidFill>
@@ -4635,15 +1623,12 @@
         </a:defRPr>
       </a:lvl8pPr>
       <a:lvl9pPr marL="3886200" indent="-228600" algn="l" defTabSz="914400" rtl="0" eaLnBrk="1" latinLnBrk="0" hangingPunct="1">
-        <a:lnSpc>
-          <a:spcPct val="90000"/>
-        </a:lnSpc>
         <a:spcBef>
-          <a:spcPts val="500"/>
+          <a:spcPct val="20000"/>
         </a:spcBef>
-        <a:buFont typeface="Arial" panose="020B0604020202020204" pitchFamily="34" charset="0"/>
+        <a:buFont typeface="Arial" pitchFamily="34" charset="0"/>
         <a:buChar char="•"/>
-        <a:defRPr sz="1800" kern="1200">
+        <a:defRPr sz="2000" kern="1200">
           <a:solidFill>
             <a:schemeClr val="tx1"/>
           </a:solidFill>
@@ -5332,40 +2317,6 @@
           </a:prstGeom>
         </p:spPr>
       </p:pic>
-      <p:sp>
-        <p:nvSpPr>
-          <p:cNvPr id="17" name="Footer Placeholder 16">
-            <a:extLst>
-              <a:ext uri="{FF2B5EF4-FFF2-40B4-BE49-F238E27FC236}">
-                <a16:creationId xmlns:a16="http://schemas.microsoft.com/office/drawing/2014/main" id="{B844FDE0-C6A0-8CCF-C553-13CE3CD10600}"/>
-              </a:ext>
-            </a:extLst>
-          </p:cNvPr>
-          <p:cNvSpPr>
-            <a:spLocks noGrp="1"/>
-          </p:cNvSpPr>
-          <p:nvPr>
-            <p:ph type="ftr" sz="quarter" idx="11"/>
-          </p:nvPr>
-        </p:nvSpPr>
-        <p:spPr>
-          <a:xfrm>
-            <a:off x="2275056" y="4754761"/>
-            <a:ext cx="4820404" cy="274637"/>
-          </a:xfrm>
-        </p:spPr>
-        <p:txBody>
-          <a:bodyPr/>
-          <a:lstStyle/>
-          <a:p>
-            <a:r>
-              <a:rPr lang="en-US"/>
-              <a:t>(J. Paul Liu, 2026. Generative AI For Science. Leanpub)</a:t>
-            </a:r>
-            <a:endParaRPr lang="en-US" dirty="0"/>
-          </a:p>
-        </p:txBody>
-      </p:sp>
     </p:spTree>
   </p:cSld>
   <p:clrMapOvr>
@@ -6760,59 +3711,6 @@
           </a:p>
         </p:txBody>
       </p:sp>
-      <p:sp>
-        <p:nvSpPr>
-          <p:cNvPr id="34" name="Title 33">
-            <a:extLst>
-              <a:ext uri="{FF2B5EF4-FFF2-40B4-BE49-F238E27FC236}">
-                <a16:creationId xmlns:a16="http://schemas.microsoft.com/office/drawing/2014/main" id="{01627F94-045A-1882-CD90-B822D3091ED2}"/>
-              </a:ext>
-            </a:extLst>
-          </p:cNvPr>
-          <p:cNvSpPr>
-            <a:spLocks noGrp="1"/>
-          </p:cNvSpPr>
-          <p:nvPr>
-            <p:ph type="title"/>
-          </p:nvPr>
-        </p:nvSpPr>
-        <p:spPr/>
-        <p:txBody>
-          <a:bodyPr/>
-          <a:lstStyle/>
-          <a:p>
-            <a:endParaRPr lang="en-US"/>
-          </a:p>
-        </p:txBody>
-      </p:sp>
-      <p:sp>
-        <p:nvSpPr>
-          <p:cNvPr id="35" name="Footer Placeholder 34">
-            <a:extLst>
-              <a:ext uri="{FF2B5EF4-FFF2-40B4-BE49-F238E27FC236}">
-                <a16:creationId xmlns:a16="http://schemas.microsoft.com/office/drawing/2014/main" id="{A41345EF-9B01-E410-1DA7-0B76C142BA02}"/>
-              </a:ext>
-            </a:extLst>
-          </p:cNvPr>
-          <p:cNvSpPr>
-            <a:spLocks noGrp="1"/>
-          </p:cNvSpPr>
-          <p:nvPr>
-            <p:ph type="ftr" sz="quarter" idx="11"/>
-          </p:nvPr>
-        </p:nvSpPr>
-        <p:spPr/>
-        <p:txBody>
-          <a:bodyPr/>
-          <a:lstStyle/>
-          <a:p>
-            <a:r>
-              <a:rPr lang="en-US"/>
-              <a:t>(J. Paul Liu, 2026. Generative AI For Science. Leanpub)</a:t>
-            </a:r>
-          </a:p>
-        </p:txBody>
-      </p:sp>
     </p:spTree>
   </p:cSld>
   <p:clrMapOvr>
@@ -8232,59 +5130,6 @@
               <a:t> Spatial data &lt; 1000 points, uncertainty needed, no training data available</a:t>
             </a:r>
             <a:endParaRPr lang="en-US" sz="825" dirty="0"/>
-          </a:p>
-        </p:txBody>
-      </p:sp>
-      <p:sp>
-        <p:nvSpPr>
-          <p:cNvPr id="36" name="Title 35">
-            <a:extLst>
-              <a:ext uri="{FF2B5EF4-FFF2-40B4-BE49-F238E27FC236}">
-                <a16:creationId xmlns:a16="http://schemas.microsoft.com/office/drawing/2014/main" id="{1D7D0A64-3D76-EF43-7E08-AC123F644F4B}"/>
-              </a:ext>
-            </a:extLst>
-          </p:cNvPr>
-          <p:cNvSpPr>
-            <a:spLocks noGrp="1"/>
-          </p:cNvSpPr>
-          <p:nvPr>
-            <p:ph type="title"/>
-          </p:nvPr>
-        </p:nvSpPr>
-        <p:spPr/>
-        <p:txBody>
-          <a:bodyPr/>
-          <a:lstStyle/>
-          <a:p>
-            <a:endParaRPr lang="en-US"/>
-          </a:p>
-        </p:txBody>
-      </p:sp>
-      <p:sp>
-        <p:nvSpPr>
-          <p:cNvPr id="37" name="Footer Placeholder 36">
-            <a:extLst>
-              <a:ext uri="{FF2B5EF4-FFF2-40B4-BE49-F238E27FC236}">
-                <a16:creationId xmlns:a16="http://schemas.microsoft.com/office/drawing/2014/main" id="{75EE7B64-3E8B-5DEE-BE5B-9492259C5DA7}"/>
-              </a:ext>
-            </a:extLst>
-          </p:cNvPr>
-          <p:cNvSpPr>
-            <a:spLocks noGrp="1"/>
-          </p:cNvSpPr>
-          <p:nvPr>
-            <p:ph type="ftr" sz="quarter" idx="11"/>
-          </p:nvPr>
-        </p:nvSpPr>
-        <p:spPr/>
-        <p:txBody>
-          <a:bodyPr/>
-          <a:lstStyle/>
-          <a:p>
-            <a:r>
-              <a:rPr lang="en-US"/>
-              <a:t>(J. Paul Liu, 2026. Generative AI For Science. Leanpub)</a:t>
-            </a:r>
           </a:p>
         </p:txBody>
       </p:sp>
@@ -10125,59 +6970,6 @@
           </a:p>
         </p:txBody>
       </p:sp>
-      <p:sp>
-        <p:nvSpPr>
-          <p:cNvPr id="45" name="Title 44">
-            <a:extLst>
-              <a:ext uri="{FF2B5EF4-FFF2-40B4-BE49-F238E27FC236}">
-                <a16:creationId xmlns:a16="http://schemas.microsoft.com/office/drawing/2014/main" id="{33C4AA84-42AE-1F27-4305-53ED6352B442}"/>
-              </a:ext>
-            </a:extLst>
-          </p:cNvPr>
-          <p:cNvSpPr>
-            <a:spLocks noGrp="1"/>
-          </p:cNvSpPr>
-          <p:nvPr>
-            <p:ph type="title"/>
-          </p:nvPr>
-        </p:nvSpPr>
-        <p:spPr/>
-        <p:txBody>
-          <a:bodyPr/>
-          <a:lstStyle/>
-          <a:p>
-            <a:endParaRPr lang="en-US"/>
-          </a:p>
-        </p:txBody>
-      </p:sp>
-      <p:sp>
-        <p:nvSpPr>
-          <p:cNvPr id="46" name="Footer Placeholder 45">
-            <a:extLst>
-              <a:ext uri="{FF2B5EF4-FFF2-40B4-BE49-F238E27FC236}">
-                <a16:creationId xmlns:a16="http://schemas.microsoft.com/office/drawing/2014/main" id="{F88C5B39-6613-0849-C61F-52876506F0A7}"/>
-              </a:ext>
-            </a:extLst>
-          </p:cNvPr>
-          <p:cNvSpPr>
-            <a:spLocks noGrp="1"/>
-          </p:cNvSpPr>
-          <p:nvPr>
-            <p:ph type="ftr" sz="quarter" idx="11"/>
-          </p:nvPr>
-        </p:nvSpPr>
-        <p:spPr/>
-        <p:txBody>
-          <a:bodyPr/>
-          <a:lstStyle/>
-          <a:p>
-            <a:r>
-              <a:rPr lang="en-US"/>
-              <a:t>(J. Paul Liu, 2026. Generative AI For Science. Leanpub)</a:t>
-            </a:r>
-          </a:p>
-        </p:txBody>
-      </p:sp>
     </p:spTree>
   </p:cSld>
   <p:clrMapOvr>
@@ -11676,59 +8468,6 @@
           </a:p>
         </p:txBody>
       </p:sp>
-      <p:sp>
-        <p:nvSpPr>
-          <p:cNvPr id="38" name="Title 37">
-            <a:extLst>
-              <a:ext uri="{FF2B5EF4-FFF2-40B4-BE49-F238E27FC236}">
-                <a16:creationId xmlns:a16="http://schemas.microsoft.com/office/drawing/2014/main" id="{DD79828A-BB3F-E99F-5EC3-72133CD79DD7}"/>
-              </a:ext>
-            </a:extLst>
-          </p:cNvPr>
-          <p:cNvSpPr>
-            <a:spLocks noGrp="1"/>
-          </p:cNvSpPr>
-          <p:nvPr>
-            <p:ph type="title"/>
-          </p:nvPr>
-        </p:nvSpPr>
-        <p:spPr/>
-        <p:txBody>
-          <a:bodyPr/>
-          <a:lstStyle/>
-          <a:p>
-            <a:endParaRPr lang="en-US"/>
-          </a:p>
-        </p:txBody>
-      </p:sp>
-      <p:sp>
-        <p:nvSpPr>
-          <p:cNvPr id="39" name="Footer Placeholder 38">
-            <a:extLst>
-              <a:ext uri="{FF2B5EF4-FFF2-40B4-BE49-F238E27FC236}">
-                <a16:creationId xmlns:a16="http://schemas.microsoft.com/office/drawing/2014/main" id="{9C4BA34A-90B9-E577-6B5C-D646F1698474}"/>
-              </a:ext>
-            </a:extLst>
-          </p:cNvPr>
-          <p:cNvSpPr>
-            <a:spLocks noGrp="1"/>
-          </p:cNvSpPr>
-          <p:nvPr>
-            <p:ph type="ftr" sz="quarter" idx="11"/>
-          </p:nvPr>
-        </p:nvSpPr>
-        <p:spPr/>
-        <p:txBody>
-          <a:bodyPr/>
-          <a:lstStyle/>
-          <a:p>
-            <a:r>
-              <a:rPr lang="en-US"/>
-              <a:t>(J. Paul Liu, 2026. Generative AI For Science. Leanpub)</a:t>
-            </a:r>
-          </a:p>
-        </p:txBody>
-      </p:sp>
     </p:spTree>
   </p:cSld>
   <p:clrMapOvr>
@@ -15026,59 +11765,6 @@
               <a:t>Neural → Ensemble</a:t>
             </a:r>
             <a:endParaRPr lang="en-US" sz="750" dirty="0"/>
-          </a:p>
-        </p:txBody>
-      </p:sp>
-      <p:sp>
-        <p:nvSpPr>
-          <p:cNvPr id="89" name="Title 88">
-            <a:extLst>
-              <a:ext uri="{FF2B5EF4-FFF2-40B4-BE49-F238E27FC236}">
-                <a16:creationId xmlns:a16="http://schemas.microsoft.com/office/drawing/2014/main" id="{BB964494-1D8E-A83B-0FB5-7BE3AE865181}"/>
-              </a:ext>
-            </a:extLst>
-          </p:cNvPr>
-          <p:cNvSpPr>
-            <a:spLocks noGrp="1"/>
-          </p:cNvSpPr>
-          <p:nvPr>
-            <p:ph type="title"/>
-          </p:nvPr>
-        </p:nvSpPr>
-        <p:spPr/>
-        <p:txBody>
-          <a:bodyPr/>
-          <a:lstStyle/>
-          <a:p>
-            <a:endParaRPr lang="en-US"/>
-          </a:p>
-        </p:txBody>
-      </p:sp>
-      <p:sp>
-        <p:nvSpPr>
-          <p:cNvPr id="90" name="Footer Placeholder 89">
-            <a:extLst>
-              <a:ext uri="{FF2B5EF4-FFF2-40B4-BE49-F238E27FC236}">
-                <a16:creationId xmlns:a16="http://schemas.microsoft.com/office/drawing/2014/main" id="{F27D60A6-1E8F-C1EA-FCF9-9EDA191B7803}"/>
-              </a:ext>
-            </a:extLst>
-          </p:cNvPr>
-          <p:cNvSpPr>
-            <a:spLocks noGrp="1"/>
-          </p:cNvSpPr>
-          <p:nvPr>
-            <p:ph type="ftr" sz="quarter" idx="11"/>
-          </p:nvPr>
-        </p:nvSpPr>
-        <p:spPr/>
-        <p:txBody>
-          <a:bodyPr/>
-          <a:lstStyle/>
-          <a:p>
-            <a:r>
-              <a:rPr lang="en-US"/>
-              <a:t>(J. Paul Liu, 2026. Generative AI For Science. Leanpub)</a:t>
-            </a:r>
           </a:p>
         </p:txBody>
       </p:sp>
@@ -16510,59 +13196,6 @@
           </a:p>
         </p:txBody>
       </p:sp>
-      <p:sp>
-        <p:nvSpPr>
-          <p:cNvPr id="37" name="Title 36">
-            <a:extLst>
-              <a:ext uri="{FF2B5EF4-FFF2-40B4-BE49-F238E27FC236}">
-                <a16:creationId xmlns:a16="http://schemas.microsoft.com/office/drawing/2014/main" id="{D0E6034E-AE8C-8F6E-DDA8-0A13A1F5C1E8}"/>
-              </a:ext>
-            </a:extLst>
-          </p:cNvPr>
-          <p:cNvSpPr>
-            <a:spLocks noGrp="1"/>
-          </p:cNvSpPr>
-          <p:nvPr>
-            <p:ph type="title"/>
-          </p:nvPr>
-        </p:nvSpPr>
-        <p:spPr/>
-        <p:txBody>
-          <a:bodyPr/>
-          <a:lstStyle/>
-          <a:p>
-            <a:endParaRPr lang="en-US"/>
-          </a:p>
-        </p:txBody>
-      </p:sp>
-      <p:sp>
-        <p:nvSpPr>
-          <p:cNvPr id="38" name="Footer Placeholder 37">
-            <a:extLst>
-              <a:ext uri="{FF2B5EF4-FFF2-40B4-BE49-F238E27FC236}">
-                <a16:creationId xmlns:a16="http://schemas.microsoft.com/office/drawing/2014/main" id="{864E10C5-54F5-F8C6-1224-1FA0E79D1677}"/>
-              </a:ext>
-            </a:extLst>
-          </p:cNvPr>
-          <p:cNvSpPr>
-            <a:spLocks noGrp="1"/>
-          </p:cNvSpPr>
-          <p:nvPr>
-            <p:ph type="ftr" sz="quarter" idx="11"/>
-          </p:nvPr>
-        </p:nvSpPr>
-        <p:spPr/>
-        <p:txBody>
-          <a:bodyPr/>
-          <a:lstStyle/>
-          <a:p>
-            <a:r>
-              <a:rPr lang="en-US"/>
-              <a:t>(J. Paul Liu, 2026. Generative AI For Science. Leanpub)</a:t>
-            </a:r>
-          </a:p>
-        </p:txBody>
-      </p:sp>
     </p:spTree>
   </p:cSld>
   <p:clrMapOvr>
@@ -18023,59 +14656,6 @@
           </a:p>
         </p:txBody>
       </p:sp>
-      <p:sp>
-        <p:nvSpPr>
-          <p:cNvPr id="37" name="Title 36">
-            <a:extLst>
-              <a:ext uri="{FF2B5EF4-FFF2-40B4-BE49-F238E27FC236}">
-                <a16:creationId xmlns:a16="http://schemas.microsoft.com/office/drawing/2014/main" id="{CF371F1A-3E9D-F2F0-DDED-E7B6BF1E573B}"/>
-              </a:ext>
-            </a:extLst>
-          </p:cNvPr>
-          <p:cNvSpPr>
-            <a:spLocks noGrp="1"/>
-          </p:cNvSpPr>
-          <p:nvPr>
-            <p:ph type="title"/>
-          </p:nvPr>
-        </p:nvSpPr>
-        <p:spPr/>
-        <p:txBody>
-          <a:bodyPr/>
-          <a:lstStyle/>
-          <a:p>
-            <a:endParaRPr lang="en-US"/>
-          </a:p>
-        </p:txBody>
-      </p:sp>
-      <p:sp>
-        <p:nvSpPr>
-          <p:cNvPr id="38" name="Footer Placeholder 37">
-            <a:extLst>
-              <a:ext uri="{FF2B5EF4-FFF2-40B4-BE49-F238E27FC236}">
-                <a16:creationId xmlns:a16="http://schemas.microsoft.com/office/drawing/2014/main" id="{679DBEEB-D34C-96E9-AF37-E08A6057BB1C}"/>
-              </a:ext>
-            </a:extLst>
-          </p:cNvPr>
-          <p:cNvSpPr>
-            <a:spLocks noGrp="1"/>
-          </p:cNvSpPr>
-          <p:nvPr>
-            <p:ph type="ftr" sz="quarter" idx="11"/>
-          </p:nvPr>
-        </p:nvSpPr>
-        <p:spPr/>
-        <p:txBody>
-          <a:bodyPr/>
-          <a:lstStyle/>
-          <a:p>
-            <a:r>
-              <a:rPr lang="en-US"/>
-              <a:t>(J. Paul Liu, 2026. Generative AI For Science. Leanpub)</a:t>
-            </a:r>
-          </a:p>
-        </p:txBody>
-      </p:sp>
     </p:spTree>
   </p:cSld>
   <p:clrMapOvr>
@@ -19029,65 +15609,6 @@
           </a:p>
         </p:txBody>
       </p:sp>
-      <p:sp>
-        <p:nvSpPr>
-          <p:cNvPr id="28" name="Title 27">
-            <a:extLst>
-              <a:ext uri="{FF2B5EF4-FFF2-40B4-BE49-F238E27FC236}">
-                <a16:creationId xmlns:a16="http://schemas.microsoft.com/office/drawing/2014/main" id="{870235D6-1521-4F07-3D42-C6CA85F0D9BA}"/>
-              </a:ext>
-            </a:extLst>
-          </p:cNvPr>
-          <p:cNvSpPr>
-            <a:spLocks noGrp="1"/>
-          </p:cNvSpPr>
-          <p:nvPr>
-            <p:ph type="title"/>
-          </p:nvPr>
-        </p:nvSpPr>
-        <p:spPr/>
-        <p:txBody>
-          <a:bodyPr/>
-          <a:lstStyle/>
-          <a:p>
-            <a:endParaRPr lang="en-US"/>
-          </a:p>
-        </p:txBody>
-      </p:sp>
-      <p:sp>
-        <p:nvSpPr>
-          <p:cNvPr id="29" name="Footer Placeholder 28">
-            <a:extLst>
-              <a:ext uri="{FF2B5EF4-FFF2-40B4-BE49-F238E27FC236}">
-                <a16:creationId xmlns:a16="http://schemas.microsoft.com/office/drawing/2014/main" id="{1A807043-72B5-AC01-FCAB-6364E98E31BC}"/>
-              </a:ext>
-            </a:extLst>
-          </p:cNvPr>
-          <p:cNvSpPr>
-            <a:spLocks noGrp="1"/>
-          </p:cNvSpPr>
-          <p:nvPr>
-            <p:ph type="ftr" sz="quarter" idx="11"/>
-          </p:nvPr>
-        </p:nvSpPr>
-        <p:spPr>
-          <a:xfrm>
-            <a:off x="2434216" y="4868862"/>
-            <a:ext cx="4440159" cy="274637"/>
-          </a:xfrm>
-        </p:spPr>
-        <p:txBody>
-          <a:bodyPr/>
-          <a:lstStyle/>
-          <a:p>
-            <a:r>
-              <a:rPr lang="en-US"/>
-              <a:t>(J. Paul Liu, 2026. Generative AI For Science. Leanpub)</a:t>
-            </a:r>
-            <a:endParaRPr lang="en-US" dirty="0"/>
-          </a:p>
-        </p:txBody>
-      </p:sp>
     </p:spTree>
   </p:cSld>
   <p:clrMapOvr>
@@ -20530,60 +17051,6 @@
               <a:t>R² = 0.76</a:t>
             </a:r>
             <a:endParaRPr lang="en-US" sz="750" dirty="0"/>
-          </a:p>
-        </p:txBody>
-      </p:sp>
-      <p:sp>
-        <p:nvSpPr>
-          <p:cNvPr id="42" name="Title 41">
-            <a:extLst>
-              <a:ext uri="{FF2B5EF4-FFF2-40B4-BE49-F238E27FC236}">
-                <a16:creationId xmlns:a16="http://schemas.microsoft.com/office/drawing/2014/main" id="{EE654752-556A-B25B-26BB-82B54E0478FD}"/>
-              </a:ext>
-            </a:extLst>
-          </p:cNvPr>
-          <p:cNvSpPr>
-            <a:spLocks noGrp="1"/>
-          </p:cNvSpPr>
-          <p:nvPr>
-            <p:ph type="title"/>
-          </p:nvPr>
-        </p:nvSpPr>
-        <p:spPr/>
-        <p:txBody>
-          <a:bodyPr/>
-          <a:lstStyle/>
-          <a:p>
-            <a:endParaRPr lang="en-US"/>
-          </a:p>
-        </p:txBody>
-      </p:sp>
-      <p:sp>
-        <p:nvSpPr>
-          <p:cNvPr id="41" name="Footer Placeholder 40">
-            <a:extLst>
-              <a:ext uri="{FF2B5EF4-FFF2-40B4-BE49-F238E27FC236}">
-                <a16:creationId xmlns:a16="http://schemas.microsoft.com/office/drawing/2014/main" id="{A136D9EB-93A0-0D72-F56D-49612DD46107}"/>
-              </a:ext>
-            </a:extLst>
-          </p:cNvPr>
-          <p:cNvSpPr>
-            <a:spLocks noGrp="1"/>
-          </p:cNvSpPr>
-          <p:nvPr>
-            <p:ph type="ftr" sz="quarter" idx="11"/>
-          </p:nvPr>
-        </p:nvSpPr>
-        <p:spPr/>
-        <p:txBody>
-          <a:bodyPr/>
-          <a:lstStyle/>
-          <a:p>
-            <a:r>
-              <a:rPr lang="en-US"/>
-              <a:t>(J. Paul Liu, 2026. Generative AI For Science. Leanpub)</a:t>
-            </a:r>
-            <a:endParaRPr lang="en-US" dirty="0"/>
           </a:p>
         </p:txBody>
       </p:sp>
@@ -22608,59 +19075,6 @@
           </a:p>
         </p:txBody>
       </p:sp>
-      <p:sp>
-        <p:nvSpPr>
-          <p:cNvPr id="49" name="Title 48">
-            <a:extLst>
-              <a:ext uri="{FF2B5EF4-FFF2-40B4-BE49-F238E27FC236}">
-                <a16:creationId xmlns:a16="http://schemas.microsoft.com/office/drawing/2014/main" id="{057A8038-039E-3CAA-C501-C89AD3AD80F3}"/>
-              </a:ext>
-            </a:extLst>
-          </p:cNvPr>
-          <p:cNvSpPr>
-            <a:spLocks noGrp="1"/>
-          </p:cNvSpPr>
-          <p:nvPr>
-            <p:ph type="title"/>
-          </p:nvPr>
-        </p:nvSpPr>
-        <p:spPr/>
-        <p:txBody>
-          <a:bodyPr/>
-          <a:lstStyle/>
-          <a:p>
-            <a:endParaRPr lang="en-US"/>
-          </a:p>
-        </p:txBody>
-      </p:sp>
-      <p:sp>
-        <p:nvSpPr>
-          <p:cNvPr id="50" name="Footer Placeholder 49">
-            <a:extLst>
-              <a:ext uri="{FF2B5EF4-FFF2-40B4-BE49-F238E27FC236}">
-                <a16:creationId xmlns:a16="http://schemas.microsoft.com/office/drawing/2014/main" id="{893BDB20-FE76-E89B-A1BF-1B477F7467A1}"/>
-              </a:ext>
-            </a:extLst>
-          </p:cNvPr>
-          <p:cNvSpPr>
-            <a:spLocks noGrp="1"/>
-          </p:cNvSpPr>
-          <p:nvPr>
-            <p:ph type="ftr" sz="quarter" idx="11"/>
-          </p:nvPr>
-        </p:nvSpPr>
-        <p:spPr/>
-        <p:txBody>
-          <a:bodyPr/>
-          <a:lstStyle/>
-          <a:p>
-            <a:r>
-              <a:rPr lang="en-US"/>
-              <a:t>(J. Paul Liu, 2026. Generative AI For Science. Leanpub)</a:t>
-            </a:r>
-          </a:p>
-        </p:txBody>
-      </p:sp>
     </p:spTree>
   </p:cSld>
   <p:clrMapOvr>
@@ -24238,59 +20652,6 @@
               <a:t>✓ Suitable for downstream ML training</a:t>
             </a:r>
             <a:endParaRPr lang="en-US" sz="900" dirty="0"/>
-          </a:p>
-        </p:txBody>
-      </p:sp>
-      <p:sp>
-        <p:nvSpPr>
-          <p:cNvPr id="42" name="Title 41">
-            <a:extLst>
-              <a:ext uri="{FF2B5EF4-FFF2-40B4-BE49-F238E27FC236}">
-                <a16:creationId xmlns:a16="http://schemas.microsoft.com/office/drawing/2014/main" id="{927C5374-AFF9-45E8-C587-CDA7E87330DB}"/>
-              </a:ext>
-            </a:extLst>
-          </p:cNvPr>
-          <p:cNvSpPr>
-            <a:spLocks noGrp="1"/>
-          </p:cNvSpPr>
-          <p:nvPr>
-            <p:ph type="title"/>
-          </p:nvPr>
-        </p:nvSpPr>
-        <p:spPr/>
-        <p:txBody>
-          <a:bodyPr/>
-          <a:lstStyle/>
-          <a:p>
-            <a:endParaRPr lang="en-US"/>
-          </a:p>
-        </p:txBody>
-      </p:sp>
-      <p:sp>
-        <p:nvSpPr>
-          <p:cNvPr id="43" name="Footer Placeholder 42">
-            <a:extLst>
-              <a:ext uri="{FF2B5EF4-FFF2-40B4-BE49-F238E27FC236}">
-                <a16:creationId xmlns:a16="http://schemas.microsoft.com/office/drawing/2014/main" id="{CA0C2B97-EE67-0E2A-080F-C3DEB88E70BC}"/>
-              </a:ext>
-            </a:extLst>
-          </p:cNvPr>
-          <p:cNvSpPr>
-            <a:spLocks noGrp="1"/>
-          </p:cNvSpPr>
-          <p:nvPr>
-            <p:ph type="ftr" sz="quarter" idx="11"/>
-          </p:nvPr>
-        </p:nvSpPr>
-        <p:spPr/>
-        <p:txBody>
-          <a:bodyPr/>
-          <a:lstStyle/>
-          <a:p>
-            <a:r>
-              <a:rPr lang="en-US"/>
-              <a:t>(J. Paul Liu, 2026. Generative AI For Science. Leanpub)</a:t>
-            </a:r>
           </a:p>
         </p:txBody>
       </p:sp>
@@ -25792,59 +22153,6 @@
           </a:p>
         </p:txBody>
       </p:sp>
-      <p:sp>
-        <p:nvSpPr>
-          <p:cNvPr id="37" name="Title 36">
-            <a:extLst>
-              <a:ext uri="{FF2B5EF4-FFF2-40B4-BE49-F238E27FC236}">
-                <a16:creationId xmlns:a16="http://schemas.microsoft.com/office/drawing/2014/main" id="{ECCE4010-288D-6289-1DAF-B5D6294E49FF}"/>
-              </a:ext>
-            </a:extLst>
-          </p:cNvPr>
-          <p:cNvSpPr>
-            <a:spLocks noGrp="1"/>
-          </p:cNvSpPr>
-          <p:nvPr>
-            <p:ph type="title"/>
-          </p:nvPr>
-        </p:nvSpPr>
-        <p:spPr/>
-        <p:txBody>
-          <a:bodyPr/>
-          <a:lstStyle/>
-          <a:p>
-            <a:endParaRPr lang="en-US"/>
-          </a:p>
-        </p:txBody>
-      </p:sp>
-      <p:sp>
-        <p:nvSpPr>
-          <p:cNvPr id="38" name="Footer Placeholder 37">
-            <a:extLst>
-              <a:ext uri="{FF2B5EF4-FFF2-40B4-BE49-F238E27FC236}">
-                <a16:creationId xmlns:a16="http://schemas.microsoft.com/office/drawing/2014/main" id="{48842CDF-25B8-B684-39F6-4D0F3D73A3B6}"/>
-              </a:ext>
-            </a:extLst>
-          </p:cNvPr>
-          <p:cNvSpPr>
-            <a:spLocks noGrp="1"/>
-          </p:cNvSpPr>
-          <p:nvPr>
-            <p:ph type="ftr" sz="quarter" idx="11"/>
-          </p:nvPr>
-        </p:nvSpPr>
-        <p:spPr/>
-        <p:txBody>
-          <a:bodyPr/>
-          <a:lstStyle/>
-          <a:p>
-            <a:r>
-              <a:rPr lang="en-US"/>
-              <a:t>(J. Paul Liu, 2026. Generative AI For Science. Leanpub)</a:t>
-            </a:r>
-          </a:p>
-        </p:txBody>
-      </p:sp>
     </p:spTree>
   </p:cSld>
   <p:clrMapOvr>
@@ -27170,59 +23478,6 @@
               <a:t>Synthetic data is realistic and diverse. Suitable for data augmentation, privacy-preserving sharing, and model training.</a:t>
             </a:r>
             <a:endParaRPr lang="en-US" sz="825" dirty="0"/>
-          </a:p>
-        </p:txBody>
-      </p:sp>
-      <p:sp>
-        <p:nvSpPr>
-          <p:cNvPr id="34" name="Title 33">
-            <a:extLst>
-              <a:ext uri="{FF2B5EF4-FFF2-40B4-BE49-F238E27FC236}">
-                <a16:creationId xmlns:a16="http://schemas.microsoft.com/office/drawing/2014/main" id="{9203EF99-0CB5-47F8-BC60-18A36E29B230}"/>
-              </a:ext>
-            </a:extLst>
-          </p:cNvPr>
-          <p:cNvSpPr>
-            <a:spLocks noGrp="1"/>
-          </p:cNvSpPr>
-          <p:nvPr>
-            <p:ph type="title"/>
-          </p:nvPr>
-        </p:nvSpPr>
-        <p:spPr/>
-        <p:txBody>
-          <a:bodyPr/>
-          <a:lstStyle/>
-          <a:p>
-            <a:endParaRPr lang="en-US"/>
-          </a:p>
-        </p:txBody>
-      </p:sp>
-      <p:sp>
-        <p:nvSpPr>
-          <p:cNvPr id="35" name="Footer Placeholder 34">
-            <a:extLst>
-              <a:ext uri="{FF2B5EF4-FFF2-40B4-BE49-F238E27FC236}">
-                <a16:creationId xmlns:a16="http://schemas.microsoft.com/office/drawing/2014/main" id="{2C51060D-3B4B-0A52-A5E4-52578F9460AC}"/>
-              </a:ext>
-            </a:extLst>
-          </p:cNvPr>
-          <p:cNvSpPr>
-            <a:spLocks noGrp="1"/>
-          </p:cNvSpPr>
-          <p:nvPr>
-            <p:ph type="ftr" sz="quarter" idx="11"/>
-          </p:nvPr>
-        </p:nvSpPr>
-        <p:spPr/>
-        <p:txBody>
-          <a:bodyPr/>
-          <a:lstStyle/>
-          <a:p>
-            <a:r>
-              <a:rPr lang="en-US"/>
-              <a:t>(J. Paul Liu, 2026. Generative AI For Science. Leanpub)</a:t>
-            </a:r>
           </a:p>
         </p:txBody>
       </p:sp>
@@ -28541,59 +24796,6 @@
           </a:p>
         </p:txBody>
       </p:sp>
-      <p:sp>
-        <p:nvSpPr>
-          <p:cNvPr id="32" name="Title 31">
-            <a:extLst>
-              <a:ext uri="{FF2B5EF4-FFF2-40B4-BE49-F238E27FC236}">
-                <a16:creationId xmlns:a16="http://schemas.microsoft.com/office/drawing/2014/main" id="{8EA887D6-59A7-87B3-D75F-BC79574C6C42}"/>
-              </a:ext>
-            </a:extLst>
-          </p:cNvPr>
-          <p:cNvSpPr>
-            <a:spLocks noGrp="1"/>
-          </p:cNvSpPr>
-          <p:nvPr>
-            <p:ph type="title"/>
-          </p:nvPr>
-        </p:nvSpPr>
-        <p:spPr/>
-        <p:txBody>
-          <a:bodyPr/>
-          <a:lstStyle/>
-          <a:p>
-            <a:endParaRPr lang="en-US"/>
-          </a:p>
-        </p:txBody>
-      </p:sp>
-      <p:sp>
-        <p:nvSpPr>
-          <p:cNvPr id="33" name="Footer Placeholder 32">
-            <a:extLst>
-              <a:ext uri="{FF2B5EF4-FFF2-40B4-BE49-F238E27FC236}">
-                <a16:creationId xmlns:a16="http://schemas.microsoft.com/office/drawing/2014/main" id="{2897C90C-FEF5-2C13-ED9A-138554831246}"/>
-              </a:ext>
-            </a:extLst>
-          </p:cNvPr>
-          <p:cNvSpPr>
-            <a:spLocks noGrp="1"/>
-          </p:cNvSpPr>
-          <p:nvPr>
-            <p:ph type="ftr" sz="quarter" idx="11"/>
-          </p:nvPr>
-        </p:nvSpPr>
-        <p:spPr/>
-        <p:txBody>
-          <a:bodyPr/>
-          <a:lstStyle/>
-          <a:p>
-            <a:r>
-              <a:rPr lang="en-US"/>
-              <a:t>(J. Paul Liu, 2026. Generative AI For Science. Leanpub)</a:t>
-            </a:r>
-          </a:p>
-        </p:txBody>
-      </p:sp>
     </p:spTree>
   </p:cSld>
   <p:clrMapOvr>
@@ -30918,59 +27120,6 @@
           </a:p>
         </p:txBody>
       </p:sp>
-      <p:sp>
-        <p:nvSpPr>
-          <p:cNvPr id="64" name="Title 63">
-            <a:extLst>
-              <a:ext uri="{FF2B5EF4-FFF2-40B4-BE49-F238E27FC236}">
-                <a16:creationId xmlns:a16="http://schemas.microsoft.com/office/drawing/2014/main" id="{9A85129F-3EB7-1C19-46B4-6C6EDC0ACF67}"/>
-              </a:ext>
-            </a:extLst>
-          </p:cNvPr>
-          <p:cNvSpPr>
-            <a:spLocks noGrp="1"/>
-          </p:cNvSpPr>
-          <p:nvPr>
-            <p:ph type="title"/>
-          </p:nvPr>
-        </p:nvSpPr>
-        <p:spPr/>
-        <p:txBody>
-          <a:bodyPr/>
-          <a:lstStyle/>
-          <a:p>
-            <a:endParaRPr lang="en-US"/>
-          </a:p>
-        </p:txBody>
-      </p:sp>
-      <p:sp>
-        <p:nvSpPr>
-          <p:cNvPr id="65" name="Footer Placeholder 64">
-            <a:extLst>
-              <a:ext uri="{FF2B5EF4-FFF2-40B4-BE49-F238E27FC236}">
-                <a16:creationId xmlns:a16="http://schemas.microsoft.com/office/drawing/2014/main" id="{1BE92763-32FE-EF27-D7E2-8422F2B492BB}"/>
-              </a:ext>
-            </a:extLst>
-          </p:cNvPr>
-          <p:cNvSpPr>
-            <a:spLocks noGrp="1"/>
-          </p:cNvSpPr>
-          <p:nvPr>
-            <p:ph type="ftr" sz="quarter" idx="11"/>
-          </p:nvPr>
-        </p:nvSpPr>
-        <p:spPr/>
-        <p:txBody>
-          <a:bodyPr/>
-          <a:lstStyle/>
-          <a:p>
-            <a:r>
-              <a:rPr lang="en-US"/>
-              <a:t>(J. Paul Liu, 2026. Generative AI For Science. Leanpub)</a:t>
-            </a:r>
-          </a:p>
-        </p:txBody>
-      </p:sp>
     </p:spTree>
   </p:cSld>
   <p:clrMapOvr>
@@ -30980,7 +27129,7 @@
 </file>
 
 <file path=ppt/theme/theme1.xml><?xml version="1.0" encoding="utf-8"?>
-<a:theme xmlns:a="http://schemas.openxmlformats.org/drawingml/2006/main" name="Custom Design">
+<a:theme xmlns:a="http://schemas.openxmlformats.org/drawingml/2006/main" name="Office Theme">
   <a:themeElements>
     <a:clrScheme name="Office">
       <a:dk1>
@@ -30990,39 +27139,39 @@
         <a:sysClr val="window" lastClr="FFFFFF"/>
       </a:lt1>
       <a:dk2>
-        <a:srgbClr val="0E2841"/>
+        <a:srgbClr val="44546A"/>
       </a:dk2>
       <a:lt2>
-        <a:srgbClr val="E8E8E8"/>
+        <a:srgbClr val="E7E6E6"/>
       </a:lt2>
       <a:accent1>
-        <a:srgbClr val="156082"/>
+        <a:srgbClr val="4472C4"/>
       </a:accent1>
       <a:accent2>
-        <a:srgbClr val="E97132"/>
+        <a:srgbClr val="ED7D31"/>
       </a:accent2>
       <a:accent3>
-        <a:srgbClr val="196B24"/>
+        <a:srgbClr val="A5A5A5"/>
       </a:accent3>
       <a:accent4>
-        <a:srgbClr val="0F9ED5"/>
+        <a:srgbClr val="FFC000"/>
       </a:accent4>
       <a:accent5>
-        <a:srgbClr val="A02B93"/>
+        <a:srgbClr val="5B9BD5"/>
       </a:accent5>
       <a:accent6>
-        <a:srgbClr val="4EA72E"/>
+        <a:srgbClr val="70AD47"/>
       </a:accent6>
       <a:hlink>
-        <a:srgbClr val="467886"/>
+        <a:srgbClr val="0563C1"/>
       </a:hlink>
       <a:folHlink>
-        <a:srgbClr val="96607D"/>
+        <a:srgbClr val="954F72"/>
       </a:folHlink>
     </a:clrScheme>
     <a:fontScheme name="Office">
       <a:majorFont>
-        <a:latin typeface="Aptos Display" panose="02110004020202020204"/>
+        <a:latin typeface="Calibri Light" panose="020F0302020204030204"/>
         <a:ea typeface=""/>
         <a:cs typeface=""/>
         <a:font script="Jpan" typeface="游ゴシック Light"/>
@@ -31074,7 +27223,7 @@
         <a:font script="Tfng" typeface="Ebrima"/>
       </a:majorFont>
       <a:minorFont>
-        <a:latin typeface="Aptos" panose="02110004020202020204"/>
+        <a:latin typeface="Calibri" panose="020F0502020204030204"/>
         <a:ea typeface=""/>
         <a:cs typeface=""/>
         <a:font script="Jpan" typeface="游ゴシック"/>
@@ -31185,6 +27334,13 @@
         </a:gradFill>
       </a:fillStyleLst>
       <a:lnStyleLst>
+        <a:ln w="6350" cap="flat" cmpd="sng" algn="ctr">
+          <a:solidFill>
+            <a:schemeClr val="phClr"/>
+          </a:solidFill>
+          <a:prstDash val="solid"/>
+          <a:miter lim="800000"/>
+        </a:ln>
         <a:ln w="12700" cap="flat" cmpd="sng" algn="ctr">
           <a:solidFill>
             <a:schemeClr val="phClr"/>
@@ -31193,13 +27349,6 @@
           <a:miter lim="800000"/>
         </a:ln>
         <a:ln w="19050" cap="flat" cmpd="sng" algn="ctr">
-          <a:solidFill>
-            <a:schemeClr val="phClr"/>
-          </a:solidFill>
-          <a:prstDash val="solid"/>
-          <a:miter lim="800000"/>
-        </a:ln>
-        <a:ln w="25400" cap="flat" cmpd="sng" algn="ctr">
           <a:solidFill>
             <a:schemeClr val="phClr"/>
           </a:solidFill>
@@ -31264,31 +27413,11 @@
       </a:bgFillStyleLst>
     </a:fmtScheme>
   </a:themeElements>
-  <a:objectDefaults>
-    <a:lnDef>
-      <a:spPr/>
-      <a:bodyPr/>
-      <a:lstStyle/>
-      <a:style>
-        <a:lnRef idx="2">
-          <a:schemeClr val="accent1"/>
-        </a:lnRef>
-        <a:fillRef idx="0">
-          <a:schemeClr val="accent1"/>
-        </a:fillRef>
-        <a:effectRef idx="1">
-          <a:schemeClr val="accent1"/>
-        </a:effectRef>
-        <a:fontRef idx="minor">
-          <a:schemeClr val="tx1"/>
-        </a:fontRef>
-      </a:style>
-    </a:lnDef>
-  </a:objectDefaults>
+  <a:objectDefaults/>
   <a:extraClrSchemeLst/>
   <a:extLst>
     <a:ext uri="{05A4C25C-085E-4340-85A3-A5531E510DB2}">
-      <thm15:themeFamily xmlns:thm15="http://schemas.microsoft.com/office/thememl/2012/main" name="Office Theme" id="{2E142A2C-CD16-42D6-873A-C26D2A0506FA}" vid="{1BDDFF52-6CD6-40A5-AB3C-68EB2F1E4D0A}"/>
+      <thm15:themeFamily xmlns:thm15="http://schemas.microsoft.com/office/thememl/2012/main" name="Office Theme" id="{62F939B6-93AF-4DB8-9C6B-D6C7DFDC589F}" vid="{4A3C46E8-61CC-4603-A589-7422A47A8E4A}"/>
     </a:ext>
   </a:extLst>
 </a:theme>
